--- a/blob/blatt1/ae.pptx
+++ b/blob/blatt1/ae.pptx
@@ -200,7 +200,7 @@
           <a:p>
             <a:fld id="{D2922177-7DA1-4945-8C06-2F4AB02561B0}" type="datetimeFigureOut">
               <a:rPr lang="de-DE" smtClean="0"/>
-              <a:t>08.11.2013</a:t>
+              <a:t>09.11.2013</a:t>
             </a:fld>
             <a:endParaRPr lang="de-DE"/>
           </a:p>
@@ -368,6 +368,11 @@
         </p:txBody>
       </p:sp>
     </p:spTree>
+    <p:extLst>
+      <p:ext uri="{BB962C8B-B14F-4D97-AF65-F5344CB8AC3E}">
+        <p14:creationId xmlns:p14="http://schemas.microsoft.com/office/powerpoint/2010/main" val="1959156744"/>
+      </p:ext>
+    </p:extLst>
   </p:cSld>
   <p:clrMap bg1="lt1" tx1="dk1" bg2="lt2" tx2="dk2" accent1="accent1" accent2="accent2" accent3="accent3" accent4="accent4" accent5="accent5" accent6="accent6" hlink="hlink" folHlink="folHlink"/>
   <p:notesStyle>
@@ -647,7 +652,7 @@
             <a:fld id="{04842B03-E09C-4A04-993A-DC95B0F05096}" type="datetimeFigureOut">
               <a:rPr lang="de-DE" smtClean="0"/>
               <a:pPr/>
-              <a:t>08.11.2013</a:t>
+              <a:t>09.11.2013</a:t>
             </a:fld>
             <a:endParaRPr lang="de-DE"/>
           </a:p>
@@ -814,7 +819,7 @@
             <a:fld id="{04842B03-E09C-4A04-993A-DC95B0F05096}" type="datetimeFigureOut">
               <a:rPr lang="de-DE" smtClean="0"/>
               <a:pPr/>
-              <a:t>08.11.2013</a:t>
+              <a:t>09.11.2013</a:t>
             </a:fld>
             <a:endParaRPr lang="de-DE"/>
           </a:p>
@@ -991,7 +996,7 @@
             <a:fld id="{04842B03-E09C-4A04-993A-DC95B0F05096}" type="datetimeFigureOut">
               <a:rPr lang="de-DE" smtClean="0"/>
               <a:pPr/>
-              <a:t>08.11.2013</a:t>
+              <a:t>09.11.2013</a:t>
             </a:fld>
             <a:endParaRPr lang="de-DE"/>
           </a:p>
@@ -1158,7 +1163,7 @@
             <a:fld id="{04842B03-E09C-4A04-993A-DC95B0F05096}" type="datetimeFigureOut">
               <a:rPr lang="de-DE" smtClean="0"/>
               <a:pPr/>
-              <a:t>08.11.2013</a:t>
+              <a:t>09.11.2013</a:t>
             </a:fld>
             <a:endParaRPr lang="de-DE"/>
           </a:p>
@@ -1401,7 +1406,7 @@
             <a:fld id="{04842B03-E09C-4A04-993A-DC95B0F05096}" type="datetimeFigureOut">
               <a:rPr lang="de-DE" smtClean="0"/>
               <a:pPr/>
-              <a:t>08.11.2013</a:t>
+              <a:t>09.11.2013</a:t>
             </a:fld>
             <a:endParaRPr lang="de-DE"/>
           </a:p>
@@ -1686,7 +1691,7 @@
             <a:fld id="{04842B03-E09C-4A04-993A-DC95B0F05096}" type="datetimeFigureOut">
               <a:rPr lang="de-DE" smtClean="0"/>
               <a:pPr/>
-              <a:t>08.11.2013</a:t>
+              <a:t>09.11.2013</a:t>
             </a:fld>
             <a:endParaRPr lang="de-DE"/>
           </a:p>
@@ -2105,7 +2110,7 @@
             <a:fld id="{04842B03-E09C-4A04-993A-DC95B0F05096}" type="datetimeFigureOut">
               <a:rPr lang="de-DE" smtClean="0"/>
               <a:pPr/>
-              <a:t>08.11.2013</a:t>
+              <a:t>09.11.2013</a:t>
             </a:fld>
             <a:endParaRPr lang="de-DE"/>
           </a:p>
@@ -2220,7 +2225,7 @@
             <a:fld id="{04842B03-E09C-4A04-993A-DC95B0F05096}" type="datetimeFigureOut">
               <a:rPr lang="de-DE" smtClean="0"/>
               <a:pPr/>
-              <a:t>08.11.2013</a:t>
+              <a:t>09.11.2013</a:t>
             </a:fld>
             <a:endParaRPr lang="de-DE"/>
           </a:p>
@@ -2312,7 +2317,7 @@
             <a:fld id="{04842B03-E09C-4A04-993A-DC95B0F05096}" type="datetimeFigureOut">
               <a:rPr lang="de-DE" smtClean="0"/>
               <a:pPr/>
-              <a:t>08.11.2013</a:t>
+              <a:t>09.11.2013</a:t>
             </a:fld>
             <a:endParaRPr lang="de-DE"/>
           </a:p>
@@ -2586,7 +2591,7 @@
             <a:fld id="{04842B03-E09C-4A04-993A-DC95B0F05096}" type="datetimeFigureOut">
               <a:rPr lang="de-DE" smtClean="0"/>
               <a:pPr/>
-              <a:t>08.11.2013</a:t>
+              <a:t>09.11.2013</a:t>
             </a:fld>
             <a:endParaRPr lang="de-DE"/>
           </a:p>
@@ -2836,7 +2841,7 @@
             <a:fld id="{04842B03-E09C-4A04-993A-DC95B0F05096}" type="datetimeFigureOut">
               <a:rPr lang="de-DE" smtClean="0"/>
               <a:pPr/>
-              <a:t>08.11.2013</a:t>
+              <a:t>09.11.2013</a:t>
             </a:fld>
             <a:endParaRPr lang="de-DE"/>
           </a:p>
@@ -3046,7 +3051,7 @@
             <a:fld id="{04842B03-E09C-4A04-993A-DC95B0F05096}" type="datetimeFigureOut">
               <a:rPr lang="de-DE" smtClean="0"/>
               <a:pPr/>
-              <a:t>08.11.2013</a:t>
+              <a:t>09.11.2013</a:t>
             </a:fld>
             <a:endParaRPr lang="de-DE"/>
           </a:p>
@@ -3417,6 +3422,47 @@
           <a:chExt cx="0" cy="0"/>
         </a:xfrm>
       </p:grpSpPr>
+      <p:pic>
+        <p:nvPicPr>
+          <p:cNvPr id="1028" name="Picture 4" descr="http://upload.wikimedia.org/wikipedia/commons/a/a8/Btree.png"/>
+          <p:cNvPicPr>
+            <a:picLocks noChangeAspect="1" noChangeArrowheads="1"/>
+          </p:cNvPicPr>
+          <p:nvPr/>
+        </p:nvPicPr>
+        <p:blipFill>
+          <a:blip r:embed="rId2">
+            <a:extLst>
+              <a:ext uri="{28A0092B-C50C-407E-A947-70E740481C1C}">
+                <a14:useLocalDpi xmlns:a14="http://schemas.microsoft.com/office/drawing/2010/main" val="0"/>
+              </a:ext>
+            </a:extLst>
+          </a:blip>
+          <a:srcRect/>
+          <a:stretch>
+            <a:fillRect/>
+          </a:stretch>
+        </p:blipFill>
+        <p:spPr bwMode="auto">
+          <a:xfrm>
+            <a:off x="-1332656" y="4293096"/>
+            <a:ext cx="4396552" cy="2412952"/>
+          </a:xfrm>
+          <a:prstGeom prst="rect">
+            <a:avLst/>
+          </a:prstGeom>
+          <a:noFill/>
+          <a:extLst>
+            <a:ext uri="{909E8E84-426E-40DD-AFC4-6F175D3DCCD1}">
+              <a14:hiddenFill xmlns:a14="http://schemas.microsoft.com/office/drawing/2010/main">
+                <a:solidFill>
+                  <a:srgbClr val="FFFFFF"/>
+                </a:solidFill>
+              </a14:hiddenFill>
+            </a:ext>
+          </a:extLst>
+        </p:spPr>
+      </p:pic>
       <p:sp>
         <p:nvSpPr>
           <p:cNvPr id="2" name="Titel 1"/>
@@ -3427,13 +3473,18 @@
             <p:ph type="ctrTitle"/>
           </p:nvPr>
         </p:nvSpPr>
-        <p:spPr/>
-        <p:txBody>
-          <a:bodyPr/>
-          <a:lstStyle/>
-          <a:p>
-            <a:r>
-              <a:rPr lang="de-DE" dirty="0" smtClean="0"/>
+        <p:spPr>
+          <a:xfrm>
+            <a:off x="685800" y="1988840"/>
+            <a:ext cx="7772400" cy="1470025"/>
+          </a:xfrm>
+        </p:spPr>
+        <p:txBody>
+          <a:bodyPr/>
+          <a:lstStyle/>
+          <a:p>
+            <a:r>
+              <a:rPr lang="de-DE" sz="7200" dirty="0" smtClean="0"/>
               <a:t>B-Bäume</a:t>
             </a:r>
             <a:endParaRPr lang="de-DE" dirty="0"/>
@@ -3450,35 +3501,90 @@
             <p:ph type="subTitle" idx="1"/>
           </p:nvPr>
         </p:nvSpPr>
-        <p:spPr/>
-        <p:txBody>
-          <a:bodyPr/>
-          <a:lstStyle/>
-          <a:p>
-            <a:r>
-              <a:rPr lang="de-DE" dirty="0" smtClean="0"/>
+        <p:spPr>
+          <a:xfrm>
+            <a:off x="1259632" y="5301208"/>
+            <a:ext cx="6400800" cy="792088"/>
+          </a:xfrm>
+        </p:spPr>
+        <p:txBody>
+          <a:bodyPr>
+            <a:normAutofit/>
+          </a:bodyPr>
+          <a:lstStyle/>
+          <a:p>
+            <a:r>
+              <a:rPr lang="de-DE" sz="2000" dirty="0" smtClean="0"/>
               <a:t>Sascha </a:t>
             </a:r>
             <a:r>
-              <a:rPr lang="de-DE" dirty="0" err="1" smtClean="0"/>
+              <a:rPr lang="de-DE" sz="2000" dirty="0" err="1" smtClean="0"/>
               <a:t>Kolodzey</a:t>
             </a:r>
-            <a:endParaRPr lang="de-DE" dirty="0" smtClean="0"/>
-          </a:p>
-          <a:p>
-            <a:r>
-              <a:rPr lang="de-DE" dirty="0" smtClean="0"/>
+            <a:endParaRPr lang="de-DE" sz="2000" dirty="0" smtClean="0"/>
+          </a:p>
+          <a:p>
+            <a:r>
+              <a:rPr lang="de-DE" sz="2000" dirty="0" smtClean="0"/>
               <a:t>Sebastian Brockmeyer</a:t>
             </a:r>
-            <a:endParaRPr lang="de-DE" dirty="0"/>
-          </a:p>
-        </p:txBody>
-      </p:sp>
+            <a:endParaRPr lang="de-DE" sz="2000" dirty="0"/>
+          </a:p>
+        </p:txBody>
+      </p:sp>
+      <p:pic>
+        <p:nvPicPr>
+          <p:cNvPr id="1030" name="Picture 6" descr="File:B-Baum.svg"/>
+          <p:cNvPicPr>
+            <a:picLocks noChangeAspect="1" noChangeArrowheads="1"/>
+          </p:cNvPicPr>
+          <p:nvPr/>
+        </p:nvPicPr>
+        <p:blipFill>
+          <a:blip r:embed="rId3">
+            <a:extLst>
+              <a:ext uri="{28A0092B-C50C-407E-A947-70E740481C1C}">
+                <a14:useLocalDpi xmlns:a14="http://schemas.microsoft.com/office/drawing/2010/main" val="0"/>
+              </a:ext>
+            </a:extLst>
+          </a:blip>
+          <a:srcRect/>
+          <a:stretch>
+            <a:fillRect/>
+          </a:stretch>
+        </p:blipFill>
+        <p:spPr bwMode="auto">
+          <a:xfrm>
+            <a:off x="4839282" y="15243"/>
+            <a:ext cx="4286250" cy="1685926"/>
+          </a:xfrm>
+          <a:prstGeom prst="rect">
+            <a:avLst/>
+          </a:prstGeom>
+          <a:noFill/>
+          <a:extLst>
+            <a:ext uri="{909E8E84-426E-40DD-AFC4-6F175D3DCCD1}">
+              <a14:hiddenFill xmlns:a14="http://schemas.microsoft.com/office/drawing/2010/main">
+                <a:solidFill>
+                  <a:srgbClr val="FFFFFF"/>
+                </a:solidFill>
+              </a14:hiddenFill>
+            </a:ext>
+          </a:extLst>
+        </p:spPr>
+      </p:pic>
     </p:spTree>
   </p:cSld>
   <p:clrMapOvr>
     <a:masterClrMapping/>
   </p:clrMapOvr>
+  <p:timing>
+    <p:tnLst>
+      <p:par>
+        <p:cTn id="1" dur="indefinite" restart="never" nodeType="tmRoot"/>
+      </p:par>
+    </p:tnLst>
+  </p:timing>
 </p:sld>
 </file>
 
@@ -3541,16 +3647,11 @@
               <a:rPr lang="de-DE" dirty="0" smtClean="0"/>
               <a:t>Datenbanken und Dateisysteme</a:t>
             </a:r>
-            <a:endParaRPr lang="de-DE" dirty="0" smtClean="0"/>
           </a:p>
           <a:p>
             <a:r>
               <a:rPr lang="de-DE" dirty="0" smtClean="0"/>
-              <a:t>Balancierter </a:t>
-            </a:r>
-            <a:r>
-              <a:rPr lang="de-DE" dirty="0" smtClean="0"/>
-              <a:t>Baum</a:t>
+              <a:t>Balancierter Baum</a:t>
             </a:r>
           </a:p>
           <a:p>
@@ -3558,7 +3659,6 @@
               <a:rPr lang="de-DE" dirty="0" smtClean="0"/>
               <a:t>Einfügen, Löschen und Suchen in amortisiert logarithmischer Zeit</a:t>
             </a:r>
-            <a:endParaRPr lang="de-DE" dirty="0" smtClean="0"/>
           </a:p>
           <a:p>
             <a:endParaRPr lang="de-DE" dirty="0"/>
@@ -3570,6 +3670,13 @@
   <p:clrMapOvr>
     <a:masterClrMapping/>
   </p:clrMapOvr>
+  <p:timing>
+    <p:tnLst>
+      <p:par>
+        <p:cTn id="1" dur="indefinite" restart="never" nodeType="tmRoot"/>
+      </p:par>
+    </p:tnLst>
+  </p:timing>
 </p:sld>
 </file>
 
@@ -3613,65 +3720,203 @@
           </a:p>
         </p:txBody>
       </p:sp>
-      <p:sp>
-        <p:nvSpPr>
-          <p:cNvPr id="3" name="Inhaltsplatzhalter 2"/>
-          <p:cNvSpPr>
-            <a:spLocks noGrp="1"/>
-          </p:cNvSpPr>
-          <p:nvPr>
-            <p:ph idx="1"/>
-          </p:nvPr>
-        </p:nvSpPr>
-        <p:spPr/>
-        <p:txBody>
-          <a:bodyPr/>
-          <a:lstStyle/>
-          <a:p>
-            <a:r>
-              <a:rPr lang="de-DE" dirty="0" smtClean="0"/>
-              <a:t>Jeder Knoten hat mindestens k und maximal 2k Daten</a:t>
-            </a:r>
-          </a:p>
-          <a:p>
-            <a:r>
-              <a:rPr lang="de-DE" dirty="0" smtClean="0"/>
-              <a:t>Ausnahme: Wurzel 1 – 2k Daten</a:t>
-            </a:r>
-          </a:p>
-          <a:p>
-            <a:r>
-              <a:rPr lang="de-DE" dirty="0" smtClean="0"/>
-              <a:t>Knoten mit i Daten haben i+1 Referenzen auf </a:t>
-            </a:r>
-            <a:r>
-              <a:rPr lang="de-DE" dirty="0" err="1" smtClean="0"/>
-              <a:t>Kindknoten</a:t>
-            </a:r>
-            <a:endParaRPr lang="de-DE" dirty="0" smtClean="0"/>
-          </a:p>
-          <a:p>
-            <a:r>
-              <a:rPr lang="de-DE" dirty="0" smtClean="0"/>
-              <a:t>Daten eines Knoten sind aufsteigend Sortiert</a:t>
-            </a:r>
-          </a:p>
-          <a:p>
-            <a:r>
-              <a:rPr lang="de-DE" dirty="0" smtClean="0"/>
-              <a:t>Alle Blätter befinden sich in der selben Ebene</a:t>
-            </a:r>
-          </a:p>
-          <a:p>
-            <a:endParaRPr lang="de-DE" dirty="0" smtClean="0"/>
-          </a:p>
-        </p:txBody>
-      </p:sp>
+      <mc:AlternateContent xmlns:mc="http://schemas.openxmlformats.org/markup-compatibility/2006">
+        <mc:Choice xmlns:a14="http://schemas.microsoft.com/office/drawing/2010/main" Requires="a14">
+          <p:sp>
+            <p:nvSpPr>
+              <p:cNvPr id="3" name="Inhaltsplatzhalter 2"/>
+              <p:cNvSpPr>
+                <a:spLocks noGrp="1"/>
+              </p:cNvSpPr>
+              <p:nvPr>
+                <p:ph idx="1"/>
+              </p:nvPr>
+            </p:nvSpPr>
+            <p:spPr/>
+            <p:txBody>
+              <a:bodyPr/>
+              <a:lstStyle/>
+              <a:p>
+                <a:r>
+                  <a:rPr lang="de-DE" dirty="0" smtClean="0"/>
+                  <a:t>Jeder Knoten hat mindestens </a:t>
+                </a:r>
+                <a14:m>
+                  <m:oMath xmlns:m="http://schemas.openxmlformats.org/officeDocument/2006/math">
+                    <m:r>
+                      <a:rPr lang="de-DE" i="1" dirty="0" smtClean="0">
+                        <a:latin typeface="Cambria Math"/>
+                      </a:rPr>
+                      <m:t>𝑘</m:t>
+                    </m:r>
+                  </m:oMath>
+                </a14:m>
+                <a:r>
+                  <a:rPr lang="de-DE" dirty="0" smtClean="0"/>
+                  <a:t> und maximal </a:t>
+                </a:r>
+                <a14:m>
+                  <m:oMath xmlns:m="http://schemas.openxmlformats.org/officeDocument/2006/math">
+                    <m:r>
+                      <a:rPr lang="de-DE" i="1" dirty="0" smtClean="0">
+                        <a:latin typeface="Cambria Math"/>
+                      </a:rPr>
+                      <m:t>2</m:t>
+                    </m:r>
+                    <m:r>
+                      <a:rPr lang="de-DE" i="1" dirty="0" smtClean="0">
+                        <a:latin typeface="Cambria Math"/>
+                      </a:rPr>
+                      <m:t>𝑘</m:t>
+                    </m:r>
+                  </m:oMath>
+                </a14:m>
+                <a:r>
+                  <a:rPr lang="de-DE" dirty="0" smtClean="0"/>
+                  <a:t> Daten</a:t>
+                </a:r>
+              </a:p>
+              <a:p>
+                <a:r>
+                  <a:rPr lang="de-DE" dirty="0" smtClean="0"/>
+                  <a:t>Ausnahme: Wurzel </a:t>
+                </a:r>
+                <a14:m>
+                  <m:oMath xmlns:m="http://schemas.openxmlformats.org/officeDocument/2006/math">
+                    <m:r>
+                      <a:rPr lang="de-DE" i="1" dirty="0" smtClean="0">
+                        <a:latin typeface="Cambria Math"/>
+                      </a:rPr>
+                      <m:t>1 – 2</m:t>
+                    </m:r>
+                    <m:r>
+                      <a:rPr lang="de-DE" i="1" dirty="0" smtClean="0">
+                        <a:latin typeface="Cambria Math"/>
+                      </a:rPr>
+                      <m:t>𝑘</m:t>
+                    </m:r>
+                    <m:r>
+                      <a:rPr lang="de-DE" i="1" dirty="0" smtClean="0">
+                        <a:latin typeface="Cambria Math"/>
+                      </a:rPr>
+                      <m:t> </m:t>
+                    </m:r>
+                  </m:oMath>
+                </a14:m>
+                <a:r>
+                  <a:rPr lang="de-DE" dirty="0" smtClean="0"/>
+                  <a:t>Daten</a:t>
+                </a:r>
+              </a:p>
+              <a:p>
+                <a:r>
+                  <a:rPr lang="de-DE" dirty="0" smtClean="0"/>
+                  <a:t>Knoten mit </a:t>
+                </a:r>
+                <a14:m>
+                  <m:oMath xmlns:m="http://schemas.openxmlformats.org/officeDocument/2006/math">
+                    <m:r>
+                      <a:rPr lang="de-DE" i="1" dirty="0" smtClean="0">
+                        <a:latin typeface="Cambria Math"/>
+                      </a:rPr>
+                      <m:t>𝑖</m:t>
+                    </m:r>
+                  </m:oMath>
+                </a14:m>
+                <a:r>
+                  <a:rPr lang="de-DE" dirty="0" smtClean="0"/>
+                  <a:t> Daten haben </a:t>
+                </a:r>
+                <a14:m>
+                  <m:oMath xmlns:m="http://schemas.openxmlformats.org/officeDocument/2006/math">
+                    <m:r>
+                      <a:rPr lang="de-DE" i="1" dirty="0" smtClean="0">
+                        <a:latin typeface="Cambria Math"/>
+                      </a:rPr>
+                      <m:t>𝑖</m:t>
+                    </m:r>
+                    <m:r>
+                      <a:rPr lang="de-DE" i="1" dirty="0" smtClean="0">
+                        <a:latin typeface="Cambria Math"/>
+                      </a:rPr>
+                      <m:t>+1</m:t>
+                    </m:r>
+                  </m:oMath>
+                </a14:m>
+                <a:r>
+                  <a:rPr lang="de-DE" dirty="0" smtClean="0"/>
+                  <a:t> Referenzen auf </a:t>
+                </a:r>
+                <a:r>
+                  <a:rPr lang="de-DE" dirty="0" err="1" smtClean="0"/>
+                  <a:t>Kindknoten</a:t>
+                </a:r>
+                <a:endParaRPr lang="de-DE" dirty="0" smtClean="0"/>
+              </a:p>
+              <a:p>
+                <a:r>
+                  <a:rPr lang="de-DE" dirty="0" smtClean="0"/>
+                  <a:t>Daten eines Knoten sind aufsteigend Sortiert</a:t>
+                </a:r>
+              </a:p>
+              <a:p>
+                <a:r>
+                  <a:rPr lang="de-DE" dirty="0" smtClean="0"/>
+                  <a:t>Alle Blätter befinden sich in der selben Ebene</a:t>
+                </a:r>
+              </a:p>
+              <a:p>
+                <a:endParaRPr lang="de-DE" dirty="0" smtClean="0"/>
+              </a:p>
+            </p:txBody>
+          </p:sp>
+        </mc:Choice>
+        <mc:Fallback>
+          <p:sp>
+            <p:nvSpPr>
+              <p:cNvPr id="3" name="Inhaltsplatzhalter 2"/>
+              <p:cNvSpPr>
+                <a:spLocks noGrp="1" noRot="1" noChangeAspect="1" noMove="1" noResize="1" noEditPoints="1" noAdjustHandles="1" noChangeArrowheads="1" noChangeShapeType="1" noTextEdit="1"/>
+              </p:cNvSpPr>
+              <p:nvPr>
+                <p:ph idx="1"/>
+              </p:nvPr>
+            </p:nvSpPr>
+            <p:spPr>
+              <a:blipFill rotWithShape="1">
+                <a:blip r:embed="rId2"/>
+                <a:stretch>
+                  <a:fillRect l="-1630" t="-1617"/>
+                </a:stretch>
+              </a:blipFill>
+            </p:spPr>
+            <p:txBody>
+              <a:bodyPr/>
+              <a:lstStyle/>
+              <a:p>
+                <a:r>
+                  <a:rPr lang="de-DE">
+                    <a:noFill/>
+                  </a:rPr>
+                  <a:t> </a:t>
+                </a:r>
+              </a:p>
+            </p:txBody>
+          </p:sp>
+        </mc:Fallback>
+      </mc:AlternateContent>
     </p:spTree>
   </p:cSld>
   <p:clrMapOvr>
     <a:masterClrMapping/>
   </p:clrMapOvr>
+  <p:timing>
+    <p:tnLst>
+      <p:par>
+        <p:cTn id="1" dur="indefinite" restart="never" nodeType="tmRoot"/>
+      </p:par>
+    </p:tnLst>
+  </p:timing>
 </p:sld>
 </file>
 
@@ -3798,37 +4043,107 @@
           </a:p>
         </p:txBody>
       </p:sp>
-      <p:sp>
-        <p:nvSpPr>
-          <p:cNvPr id="3" name="Inhaltsplatzhalter 2"/>
-          <p:cNvSpPr>
-            <a:spLocks noGrp="1"/>
-          </p:cNvSpPr>
-          <p:nvPr>
-            <p:ph idx="1"/>
-          </p:nvPr>
-        </p:nvSpPr>
-        <p:spPr/>
-        <p:txBody>
-          <a:bodyPr/>
-          <a:lstStyle/>
-          <a:p>
-            <a:r>
-              <a:rPr lang="de-DE" dirty="0" smtClean="0"/>
-              <a:t>Knoten mindestens zu 2/3 gefüllt</a:t>
-            </a:r>
-          </a:p>
-          <a:p>
-            <a:r>
-              <a:rPr lang="de-DE" dirty="0" smtClean="0"/>
-              <a:t>Wodurch wird dies erfüllt?</a:t>
-            </a:r>
-          </a:p>
-          <a:p>
-            <a:endParaRPr lang="de-DE" dirty="0"/>
-          </a:p>
-        </p:txBody>
-      </p:sp>
+      <mc:AlternateContent xmlns:mc="http://schemas.openxmlformats.org/markup-compatibility/2006">
+        <mc:Choice xmlns:a14="http://schemas.microsoft.com/office/drawing/2010/main" Requires="a14">
+          <p:sp>
+            <p:nvSpPr>
+              <p:cNvPr id="3" name="Inhaltsplatzhalter 2"/>
+              <p:cNvSpPr>
+                <a:spLocks noGrp="1"/>
+              </p:cNvSpPr>
+              <p:nvPr>
+                <p:ph idx="1"/>
+              </p:nvPr>
+            </p:nvSpPr>
+            <p:spPr/>
+            <p:txBody>
+              <a:bodyPr/>
+              <a:lstStyle/>
+              <a:p>
+                <a:r>
+                  <a:rPr lang="de-DE" dirty="0" smtClean="0"/>
+                  <a:t>Knoten mindestens zu </a:t>
+                </a:r>
+                <a14:m>
+                  <m:oMath xmlns:m="http://schemas.openxmlformats.org/officeDocument/2006/math">
+                    <m:f>
+                      <m:fPr>
+                        <m:ctrlPr>
+                          <a:rPr lang="de-DE" i="1" dirty="0" smtClean="0">
+                            <a:latin typeface="Cambria Math"/>
+                          </a:rPr>
+                        </m:ctrlPr>
+                      </m:fPr>
+                      <m:num>
+                        <m:r>
+                          <a:rPr lang="de-DE" b="0" i="1" dirty="0" smtClean="0">
+                            <a:latin typeface="Cambria Math"/>
+                          </a:rPr>
+                          <m:t>2</m:t>
+                        </m:r>
+                      </m:num>
+                      <m:den>
+                        <m:r>
+                          <a:rPr lang="de-DE" b="0" i="1" dirty="0" smtClean="0">
+                            <a:latin typeface="Cambria Math"/>
+                          </a:rPr>
+                          <m:t>3</m:t>
+                        </m:r>
+                      </m:den>
+                    </m:f>
+                  </m:oMath>
+                </a14:m>
+                <a:r>
+                  <a:rPr lang="de-DE" dirty="0" smtClean="0"/>
+                  <a:t> gefüllt</a:t>
+                </a:r>
+              </a:p>
+              <a:p>
+                <a:r>
+                  <a:rPr lang="de-DE" dirty="0" smtClean="0"/>
+                  <a:t>Wodurch wird dies erfüllt?</a:t>
+                </a:r>
+              </a:p>
+              <a:p>
+                <a:endParaRPr lang="de-DE" dirty="0"/>
+              </a:p>
+            </p:txBody>
+          </p:sp>
+        </mc:Choice>
+        <mc:Fallback>
+          <p:sp>
+            <p:nvSpPr>
+              <p:cNvPr id="3" name="Inhaltsplatzhalter 2"/>
+              <p:cNvSpPr>
+                <a:spLocks noGrp="1" noRot="1" noChangeAspect="1" noMove="1" noResize="1" noEditPoints="1" noAdjustHandles="1" noChangeArrowheads="1" noChangeShapeType="1" noTextEdit="1"/>
+              </p:cNvSpPr>
+              <p:nvPr>
+                <p:ph idx="1"/>
+              </p:nvPr>
+            </p:nvSpPr>
+            <p:spPr>
+              <a:blipFill rotWithShape="1">
+                <a:blip r:embed="rId2"/>
+                <a:stretch>
+                  <a:fillRect l="-1630"/>
+                </a:stretch>
+              </a:blipFill>
+            </p:spPr>
+            <p:txBody>
+              <a:bodyPr/>
+              <a:lstStyle/>
+              <a:p>
+                <a:r>
+                  <a:rPr lang="de-DE">
+                    <a:noFill/>
+                  </a:rPr>
+                  <a:t> </a:t>
+                </a:r>
+              </a:p>
+            </p:txBody>
+          </p:sp>
+        </mc:Fallback>
+      </mc:AlternateContent>
     </p:spTree>
   </p:cSld>
   <p:clrMapOvr>
@@ -4074,6 +4389,47 @@
           </a:p>
         </p:txBody>
       </p:sp>
+      <p:pic>
+        <p:nvPicPr>
+          <p:cNvPr id="2050" name="Picture 2" descr="File:R-tree.svg"/>
+          <p:cNvPicPr>
+            <a:picLocks noChangeAspect="1" noChangeArrowheads="1"/>
+          </p:cNvPicPr>
+          <p:nvPr/>
+        </p:nvPicPr>
+        <p:blipFill>
+          <a:blip r:embed="rId2">
+            <a:extLst>
+              <a:ext uri="{28A0092B-C50C-407E-A947-70E740481C1C}">
+                <a14:useLocalDpi xmlns:a14="http://schemas.microsoft.com/office/drawing/2010/main" val="0"/>
+              </a:ext>
+            </a:extLst>
+          </a:blip>
+          <a:srcRect/>
+          <a:stretch>
+            <a:fillRect/>
+          </a:stretch>
+        </p:blipFill>
+        <p:spPr bwMode="auto">
+          <a:xfrm>
+            <a:off x="3923928" y="2420888"/>
+            <a:ext cx="4896544" cy="4197037"/>
+          </a:xfrm>
+          <a:prstGeom prst="rect">
+            <a:avLst/>
+          </a:prstGeom>
+          <a:noFill/>
+          <a:extLst>
+            <a:ext uri="{909E8E84-426E-40DD-AFC4-6F175D3DCCD1}">
+              <a14:hiddenFill xmlns:a14="http://schemas.microsoft.com/office/drawing/2010/main">
+                <a:solidFill>
+                  <a:srgbClr val="FFFFFF"/>
+                </a:solidFill>
+              </a14:hiddenFill>
+            </a:ext>
+          </a:extLst>
+        </p:spPr>
+      </p:pic>
     </p:spTree>
   </p:cSld>
   <p:clrMapOvr>
@@ -4122,68 +4478,199 @@
           </a:p>
         </p:txBody>
       </p:sp>
-      <p:sp>
-        <p:nvSpPr>
-          <p:cNvPr id="3" name="Inhaltsplatzhalter 2"/>
-          <p:cNvSpPr>
-            <a:spLocks noGrp="1"/>
-          </p:cNvSpPr>
-          <p:nvPr>
-            <p:ph idx="1"/>
-          </p:nvPr>
-        </p:nvSpPr>
-        <p:spPr/>
-        <p:txBody>
-          <a:bodyPr/>
-          <a:lstStyle/>
-          <a:p>
-            <a:r>
-              <a:rPr lang="de-DE" dirty="0" smtClean="0"/>
-              <a:t>Anwendung: Datenbanksysteme</a:t>
-            </a:r>
-          </a:p>
-          <a:p>
-            <a:r>
-              <a:rPr lang="de-DE" dirty="0" smtClean="0"/>
-              <a:t>Wähle k so, dass 2k Daten + Zeiger in einen Block </a:t>
-            </a:r>
-            <a:r>
-              <a:rPr lang="de-DE" dirty="0" smtClean="0"/>
-              <a:t>passen</a:t>
-            </a:r>
-          </a:p>
-          <a:p>
-            <a:r>
-              <a:rPr lang="de-DE" dirty="0" smtClean="0"/>
-              <a:t>Knoten kann als Block geladen werden</a:t>
-            </a:r>
-          </a:p>
-          <a:p>
-            <a:r>
-              <a:rPr lang="de-DE" dirty="0" smtClean="0"/>
-              <a:t>Pro Operation: Maximal O(</a:t>
-            </a:r>
-            <a:r>
-              <a:rPr lang="de-DE" dirty="0" err="1" smtClean="0"/>
-              <a:t>log</a:t>
-            </a:r>
-            <a:r>
-              <a:rPr lang="de-DE" baseline="-25000" dirty="0" err="1" smtClean="0"/>
-              <a:t>k</a:t>
-            </a:r>
-            <a:r>
-              <a:rPr lang="de-DE" dirty="0" smtClean="0"/>
-              <a:t>(n)) externe Speicherzugriffe. (B/2 = k)</a:t>
-            </a:r>
-          </a:p>
-          <a:p>
-            <a:r>
-              <a:rPr lang="de-DE" dirty="0" smtClean="0"/>
-              <a:t>B*,B+ und R-Baum</a:t>
-            </a:r>
-          </a:p>
-        </p:txBody>
-      </p:sp>
+      <mc:AlternateContent xmlns:mc="http://schemas.openxmlformats.org/markup-compatibility/2006">
+        <mc:Choice xmlns:a14="http://schemas.microsoft.com/office/drawing/2010/main" Requires="a14">
+          <p:sp>
+            <p:nvSpPr>
+              <p:cNvPr id="3" name="Inhaltsplatzhalter 2"/>
+              <p:cNvSpPr>
+                <a:spLocks noGrp="1"/>
+              </p:cNvSpPr>
+              <p:nvPr>
+                <p:ph idx="1"/>
+              </p:nvPr>
+            </p:nvSpPr>
+            <p:spPr/>
+            <p:txBody>
+              <a:bodyPr/>
+              <a:lstStyle/>
+              <a:p>
+                <a:r>
+                  <a:rPr lang="de-DE" dirty="0" smtClean="0"/>
+                  <a:t>Anwendung: Datenbanksysteme</a:t>
+                </a:r>
+              </a:p>
+              <a:p>
+                <a:r>
+                  <a:rPr lang="de-DE" dirty="0" smtClean="0"/>
+                  <a:t>Wähle </a:t>
+                </a:r>
+                <a14:m>
+                  <m:oMath xmlns:m="http://schemas.openxmlformats.org/officeDocument/2006/math">
+                    <m:r>
+                      <a:rPr lang="de-DE" i="1" dirty="0" smtClean="0">
+                        <a:latin typeface="Cambria Math"/>
+                      </a:rPr>
+                      <m:t>𝑘</m:t>
+                    </m:r>
+                  </m:oMath>
+                </a14:m>
+                <a:r>
+                  <a:rPr lang="de-DE" dirty="0" smtClean="0"/>
+                  <a:t> so, dass </a:t>
+                </a:r>
+                <a14:m>
+                  <m:oMath xmlns:m="http://schemas.openxmlformats.org/officeDocument/2006/math">
+                    <m:r>
+                      <a:rPr lang="de-DE" i="1" dirty="0" smtClean="0">
+                        <a:latin typeface="Cambria Math"/>
+                      </a:rPr>
+                      <m:t>2</m:t>
+                    </m:r>
+                    <m:r>
+                      <a:rPr lang="de-DE" i="1" dirty="0" smtClean="0">
+                        <a:latin typeface="Cambria Math"/>
+                      </a:rPr>
+                      <m:t>𝑘</m:t>
+                    </m:r>
+                  </m:oMath>
+                </a14:m>
+                <a:r>
+                  <a:rPr lang="de-DE" dirty="0" smtClean="0"/>
+                  <a:t> Daten + Zeiger in einen Block passen</a:t>
+                </a:r>
+              </a:p>
+              <a:p>
+                <a:r>
+                  <a:rPr lang="de-DE" dirty="0" smtClean="0"/>
+                  <a:t>Knoten kann als Block geladen werden</a:t>
+                </a:r>
+              </a:p>
+              <a:p>
+                <a:r>
+                  <a:rPr lang="de-DE" dirty="0" smtClean="0"/>
+                  <a:t>Pro Operation: Maximal </a:t>
+                </a:r>
+                <a14:m>
+                  <m:oMath xmlns:m="http://schemas.openxmlformats.org/officeDocument/2006/math">
+                    <m:r>
+                      <a:rPr lang="de-DE" i="1" dirty="0" smtClean="0">
+                        <a:latin typeface="Cambria Math"/>
+                      </a:rPr>
+                      <m:t>𝑂</m:t>
+                    </m:r>
+                    <m:r>
+                      <a:rPr lang="de-DE" i="1" dirty="0" smtClean="0">
+                        <a:latin typeface="Cambria Math"/>
+                      </a:rPr>
+                      <m:t>(</m:t>
+                    </m:r>
+                    <m:r>
+                      <a:rPr lang="de-DE" i="1" dirty="0" err="1" smtClean="0">
+                        <a:latin typeface="Cambria Math"/>
+                      </a:rPr>
+                      <m:t>𝑙𝑜𝑔</m:t>
+                    </m:r>
+                    <m:r>
+                      <a:rPr lang="de-DE" i="1" baseline="-25000" dirty="0" err="1" smtClean="0">
+                        <a:latin typeface="Cambria Math"/>
+                      </a:rPr>
+                      <m:t>𝑘</m:t>
+                    </m:r>
+                    <m:r>
+                      <a:rPr lang="de-DE" i="1" dirty="0" smtClean="0">
+                        <a:latin typeface="Cambria Math"/>
+                      </a:rPr>
+                      <m:t>(</m:t>
+                    </m:r>
+                    <m:r>
+                      <a:rPr lang="de-DE" i="1" dirty="0" smtClean="0">
+                        <a:latin typeface="Cambria Math"/>
+                      </a:rPr>
+                      <m:t>𝑛</m:t>
+                    </m:r>
+                    <m:r>
+                      <a:rPr lang="de-DE" i="1" dirty="0" smtClean="0">
+                        <a:latin typeface="Cambria Math"/>
+                      </a:rPr>
+                      <m:t>)) </m:t>
+                    </m:r>
+                  </m:oMath>
+                </a14:m>
+                <a:r>
+                  <a:rPr lang="de-DE" dirty="0" smtClean="0"/>
+                  <a:t>externe Speicherzugriffe. (</a:t>
+                </a:r>
+                <a14:m>
+                  <m:oMath xmlns:m="http://schemas.openxmlformats.org/officeDocument/2006/math">
+                    <m:r>
+                      <a:rPr lang="de-DE" i="1" dirty="0" smtClean="0">
+                        <a:latin typeface="Cambria Math"/>
+                      </a:rPr>
+                      <m:t>𝐵</m:t>
+                    </m:r>
+                    <m:r>
+                      <a:rPr lang="de-DE" i="1" dirty="0" smtClean="0">
+                        <a:latin typeface="Cambria Math"/>
+                      </a:rPr>
+                      <m:t>/2 = </m:t>
+                    </m:r>
+                    <m:r>
+                      <a:rPr lang="de-DE" i="1" dirty="0" smtClean="0">
+                        <a:latin typeface="Cambria Math"/>
+                      </a:rPr>
+                      <m:t>𝑘</m:t>
+                    </m:r>
+                  </m:oMath>
+                </a14:m>
+                <a:r>
+                  <a:rPr lang="de-DE" dirty="0" smtClean="0"/>
+                  <a:t>)</a:t>
+                </a:r>
+              </a:p>
+              <a:p>
+                <a:r>
+                  <a:rPr lang="de-DE" dirty="0" smtClean="0"/>
+                  <a:t>B*,B+ und R-Baum</a:t>
+                </a:r>
+              </a:p>
+            </p:txBody>
+          </p:sp>
+        </mc:Choice>
+        <mc:Fallback>
+          <p:sp>
+            <p:nvSpPr>
+              <p:cNvPr id="3" name="Inhaltsplatzhalter 2"/>
+              <p:cNvSpPr>
+                <a:spLocks noGrp="1" noRot="1" noChangeAspect="1" noMove="1" noResize="1" noEditPoints="1" noAdjustHandles="1" noChangeArrowheads="1" noChangeShapeType="1" noTextEdit="1"/>
+              </p:cNvSpPr>
+              <p:nvPr>
+                <p:ph idx="1"/>
+              </p:nvPr>
+            </p:nvSpPr>
+            <p:spPr>
+              <a:blipFill rotWithShape="1">
+                <a:blip r:embed="rId2"/>
+                <a:stretch>
+                  <a:fillRect l="-1630" t="-1752"/>
+                </a:stretch>
+              </a:blipFill>
+            </p:spPr>
+            <p:txBody>
+              <a:bodyPr/>
+              <a:lstStyle/>
+              <a:p>
+                <a:r>
+                  <a:rPr lang="de-DE">
+                    <a:noFill/>
+                  </a:rPr>
+                  <a:t> </a:t>
+                </a:r>
+              </a:p>
+            </p:txBody>
+          </p:sp>
+        </mc:Fallback>
+      </mc:AlternateContent>
     </p:spTree>
   </p:cSld>
   <p:clrMapOvr>

--- a/blob/blatt1/ae.pptx
+++ b/blob/blatt1/ae.pptx
@@ -5,7 +5,7 @@
     <p:sldMasterId id="2147483648" r:id="rId1"/>
   </p:sldMasterIdLst>
   <p:notesMasterIdLst>
-    <p:notesMasterId r:id="rId11"/>
+    <p:notesMasterId r:id="rId12"/>
   </p:notesMasterIdLst>
   <p:sldIdLst>
     <p:sldId id="256" r:id="rId2"/>
@@ -17,6 +17,7 @@
     <p:sldId id="264" r:id="rId8"/>
     <p:sldId id="265" r:id="rId9"/>
     <p:sldId id="267" r:id="rId10"/>
+    <p:sldId id="268" r:id="rId11"/>
   </p:sldIdLst>
   <p:sldSz cx="9144000" cy="6858000" type="screen4x3"/>
   <p:notesSz cx="6858000" cy="9144000"/>
@@ -468,6 +469,426 @@
     </a:lvl9pPr>
   </p:notesStyle>
 </p:notesMaster>
+</file>
+
+<file path=ppt/notesSlides/notesSlide1.xml><?xml version="1.0" encoding="utf-8"?>
+<p:notes xmlns:a="http://schemas.openxmlformats.org/drawingml/2006/main" xmlns:r="http://schemas.openxmlformats.org/officeDocument/2006/relationships" xmlns:p="http://schemas.openxmlformats.org/presentationml/2006/main">
+  <p:cSld>
+    <p:spTree>
+      <p:nvGrpSpPr>
+        <p:cNvPr id="1" name=""/>
+        <p:cNvGrpSpPr/>
+        <p:nvPr/>
+      </p:nvGrpSpPr>
+      <p:grpSpPr>
+        <a:xfrm>
+          <a:off x="0" y="0"/>
+          <a:ext cx="0" cy="0"/>
+          <a:chOff x="0" y="0"/>
+          <a:chExt cx="0" cy="0"/>
+        </a:xfrm>
+      </p:grpSpPr>
+      <p:sp>
+        <p:nvSpPr>
+          <p:cNvPr id="2" name="Folienbildplatzhalter 1"/>
+          <p:cNvSpPr>
+            <a:spLocks noGrp="1" noRot="1" noChangeAspect="1"/>
+          </p:cNvSpPr>
+          <p:nvPr>
+            <p:ph type="sldImg"/>
+          </p:nvPr>
+        </p:nvSpPr>
+        <p:spPr/>
+      </p:sp>
+      <p:sp>
+        <p:nvSpPr>
+          <p:cNvPr id="3" name="Notizenplatzhalter 2"/>
+          <p:cNvSpPr>
+            <a:spLocks noGrp="1"/>
+          </p:cNvSpPr>
+          <p:nvPr>
+            <p:ph type="body" idx="1"/>
+          </p:nvPr>
+        </p:nvSpPr>
+        <p:spPr/>
+        <p:txBody>
+          <a:bodyPr/>
+          <a:lstStyle/>
+          <a:p>
+            <a:r>
+              <a:rPr lang="de-DE" dirty="0" smtClean="0"/>
+              <a:t>Einfügen</a:t>
+            </a:r>
+          </a:p>
+          <a:p>
+            <a:r>
+              <a:rPr lang="de-DE" dirty="0" smtClean="0"/>
+              <a:t>Suchen</a:t>
+            </a:r>
+          </a:p>
+          <a:p>
+            <a:r>
+              <a:rPr lang="de-DE" dirty="0" smtClean="0"/>
+              <a:t>Löschen</a:t>
+            </a:r>
+          </a:p>
+          <a:p>
+            <a:endParaRPr lang="de-DE" dirty="0"/>
+          </a:p>
+        </p:txBody>
+      </p:sp>
+      <p:sp>
+        <p:nvSpPr>
+          <p:cNvPr id="4" name="Foliennummernplatzhalter 3"/>
+          <p:cNvSpPr>
+            <a:spLocks noGrp="1"/>
+          </p:cNvSpPr>
+          <p:nvPr>
+            <p:ph type="sldNum" sz="quarter" idx="10"/>
+          </p:nvPr>
+        </p:nvSpPr>
+        <p:spPr/>
+        <p:txBody>
+          <a:bodyPr/>
+          <a:lstStyle/>
+          <a:p>
+            <a:fld id="{709551B1-17A4-4981-A493-A6BC634ED851}" type="slidenum">
+              <a:rPr lang="de-DE" smtClean="0"/>
+              <a:t>4</a:t>
+            </a:fld>
+            <a:endParaRPr lang="de-DE"/>
+          </a:p>
+        </p:txBody>
+      </p:sp>
+    </p:spTree>
+    <p:extLst>
+      <p:ext uri="{BB962C8B-B14F-4D97-AF65-F5344CB8AC3E}">
+        <p14:creationId xmlns:p14="http://schemas.microsoft.com/office/powerpoint/2010/main" val="2333312402"/>
+      </p:ext>
+    </p:extLst>
+  </p:cSld>
+  <p:clrMapOvr>
+    <a:masterClrMapping/>
+  </p:clrMapOvr>
+</p:notes>
+</file>
+
+<file path=ppt/notesSlides/notesSlide2.xml><?xml version="1.0" encoding="utf-8"?>
+<p:notes xmlns:a="http://schemas.openxmlformats.org/drawingml/2006/main" xmlns:r="http://schemas.openxmlformats.org/officeDocument/2006/relationships" xmlns:p="http://schemas.openxmlformats.org/presentationml/2006/main">
+  <p:cSld>
+    <p:spTree>
+      <p:nvGrpSpPr>
+        <p:cNvPr id="1" name=""/>
+        <p:cNvGrpSpPr/>
+        <p:nvPr/>
+      </p:nvGrpSpPr>
+      <p:grpSpPr>
+        <a:xfrm>
+          <a:off x="0" y="0"/>
+          <a:ext cx="0" cy="0"/>
+          <a:chOff x="0" y="0"/>
+          <a:chExt cx="0" cy="0"/>
+        </a:xfrm>
+      </p:grpSpPr>
+      <p:sp>
+        <p:nvSpPr>
+          <p:cNvPr id="2" name="Folienbildplatzhalter 1"/>
+          <p:cNvSpPr>
+            <a:spLocks noGrp="1" noRot="1" noChangeAspect="1"/>
+          </p:cNvSpPr>
+          <p:nvPr>
+            <p:ph type="sldImg"/>
+          </p:nvPr>
+        </p:nvSpPr>
+        <p:spPr/>
+      </p:sp>
+      <p:sp>
+        <p:nvSpPr>
+          <p:cNvPr id="3" name="Notizenplatzhalter 2"/>
+          <p:cNvSpPr>
+            <a:spLocks noGrp="1"/>
+          </p:cNvSpPr>
+          <p:nvPr>
+            <p:ph type="body" idx="1"/>
+          </p:nvPr>
+        </p:nvSpPr>
+        <p:spPr/>
+        <p:txBody>
+          <a:bodyPr/>
+          <a:lstStyle/>
+          <a:p>
+            <a:pPr marL="0" marR="0" indent="0" algn="l" defTabSz="914400" rtl="0" eaLnBrk="1" fontAlgn="auto" latinLnBrk="0" hangingPunct="1">
+              <a:lnSpc>
+                <a:spcPct val="100000"/>
+              </a:lnSpc>
+              <a:spcBef>
+                <a:spcPts val="0"/>
+              </a:spcBef>
+              <a:spcAft>
+                <a:spcPts val="0"/>
+              </a:spcAft>
+              <a:buClrTx/>
+              <a:buSzTx/>
+              <a:buFontTx/>
+              <a:buNone/>
+              <a:tabLst/>
+              <a:defRPr/>
+            </a:pPr>
+            <a:r>
+              <a:rPr lang="de-DE" dirty="0" smtClean="0"/>
+              <a:t>Wodurch wird dies erfüllt?</a:t>
+            </a:r>
+          </a:p>
+          <a:p>
+            <a:endParaRPr lang="de-DE" dirty="0"/>
+          </a:p>
+        </p:txBody>
+      </p:sp>
+      <p:sp>
+        <p:nvSpPr>
+          <p:cNvPr id="4" name="Foliennummernplatzhalter 3"/>
+          <p:cNvSpPr>
+            <a:spLocks noGrp="1"/>
+          </p:cNvSpPr>
+          <p:nvPr>
+            <p:ph type="sldNum" sz="quarter" idx="10"/>
+          </p:nvPr>
+        </p:nvSpPr>
+        <p:spPr/>
+        <p:txBody>
+          <a:bodyPr/>
+          <a:lstStyle/>
+          <a:p>
+            <a:fld id="{709551B1-17A4-4981-A493-A6BC634ED851}" type="slidenum">
+              <a:rPr lang="de-DE" smtClean="0"/>
+              <a:t>5</a:t>
+            </a:fld>
+            <a:endParaRPr lang="de-DE"/>
+          </a:p>
+        </p:txBody>
+      </p:sp>
+    </p:spTree>
+    <p:extLst>
+      <p:ext uri="{BB962C8B-B14F-4D97-AF65-F5344CB8AC3E}">
+        <p14:creationId xmlns:p14="http://schemas.microsoft.com/office/powerpoint/2010/main" val="394268573"/>
+      </p:ext>
+    </p:extLst>
+  </p:cSld>
+  <p:clrMapOvr>
+    <a:masterClrMapping/>
+  </p:clrMapOvr>
+</p:notes>
+</file>
+
+<file path=ppt/notesSlides/notesSlide3.xml><?xml version="1.0" encoding="utf-8"?>
+<p:notes xmlns:a="http://schemas.openxmlformats.org/drawingml/2006/main" xmlns:r="http://schemas.openxmlformats.org/officeDocument/2006/relationships" xmlns:p="http://schemas.openxmlformats.org/presentationml/2006/main">
+  <p:cSld>
+    <p:spTree>
+      <p:nvGrpSpPr>
+        <p:cNvPr id="1" name=""/>
+        <p:cNvGrpSpPr/>
+        <p:nvPr/>
+      </p:nvGrpSpPr>
+      <p:grpSpPr>
+        <a:xfrm>
+          <a:off x="0" y="0"/>
+          <a:ext cx="0" cy="0"/>
+          <a:chOff x="0" y="0"/>
+          <a:chExt cx="0" cy="0"/>
+        </a:xfrm>
+      </p:grpSpPr>
+      <p:sp>
+        <p:nvSpPr>
+          <p:cNvPr id="2" name="Folienbildplatzhalter 1"/>
+          <p:cNvSpPr>
+            <a:spLocks noGrp="1" noRot="1" noChangeAspect="1"/>
+          </p:cNvSpPr>
+          <p:nvPr>
+            <p:ph type="sldImg"/>
+          </p:nvPr>
+        </p:nvSpPr>
+        <p:spPr/>
+      </p:sp>
+      <p:sp>
+        <p:nvSpPr>
+          <p:cNvPr id="3" name="Notizenplatzhalter 2"/>
+          <p:cNvSpPr>
+            <a:spLocks noGrp="1"/>
+          </p:cNvSpPr>
+          <p:nvPr>
+            <p:ph type="body" idx="1"/>
+          </p:nvPr>
+        </p:nvSpPr>
+        <p:spPr/>
+        <p:txBody>
+          <a:bodyPr/>
+          <a:lstStyle/>
+          <a:p>
+            <a:r>
+              <a:rPr lang="de-DE" dirty="0" smtClean="0"/>
+              <a:t>Suchen</a:t>
+            </a:r>
+          </a:p>
+          <a:p>
+            <a:r>
+              <a:rPr lang="de-DE" dirty="0" smtClean="0"/>
+              <a:t>Einfügen</a:t>
+            </a:r>
+          </a:p>
+          <a:p>
+            <a:r>
+              <a:rPr lang="de-DE" dirty="0" smtClean="0"/>
+              <a:t>Löschen</a:t>
+            </a:r>
+          </a:p>
+          <a:p>
+            <a:endParaRPr lang="de-DE" dirty="0"/>
+          </a:p>
+        </p:txBody>
+      </p:sp>
+      <p:sp>
+        <p:nvSpPr>
+          <p:cNvPr id="4" name="Foliennummernplatzhalter 3"/>
+          <p:cNvSpPr>
+            <a:spLocks noGrp="1"/>
+          </p:cNvSpPr>
+          <p:nvPr>
+            <p:ph type="sldNum" sz="quarter" idx="10"/>
+          </p:nvPr>
+        </p:nvSpPr>
+        <p:spPr/>
+        <p:txBody>
+          <a:bodyPr/>
+          <a:lstStyle/>
+          <a:p>
+            <a:fld id="{709551B1-17A4-4981-A493-A6BC634ED851}" type="slidenum">
+              <a:rPr lang="de-DE" smtClean="0"/>
+              <a:t>7</a:t>
+            </a:fld>
+            <a:endParaRPr lang="de-DE"/>
+          </a:p>
+        </p:txBody>
+      </p:sp>
+    </p:spTree>
+    <p:extLst>
+      <p:ext uri="{BB962C8B-B14F-4D97-AF65-F5344CB8AC3E}">
+        <p14:creationId xmlns:p14="http://schemas.microsoft.com/office/powerpoint/2010/main" val="2524385162"/>
+      </p:ext>
+    </p:extLst>
+  </p:cSld>
+  <p:clrMapOvr>
+    <a:masterClrMapping/>
+  </p:clrMapOvr>
+</p:notes>
+</file>
+
+<file path=ppt/notesSlides/notesSlide4.xml><?xml version="1.0" encoding="utf-8"?>
+<p:notes xmlns:a="http://schemas.openxmlformats.org/drawingml/2006/main" xmlns:r="http://schemas.openxmlformats.org/officeDocument/2006/relationships" xmlns:p="http://schemas.openxmlformats.org/presentationml/2006/main">
+  <p:cSld>
+    <p:spTree>
+      <p:nvGrpSpPr>
+        <p:cNvPr id="1" name=""/>
+        <p:cNvGrpSpPr/>
+        <p:nvPr/>
+      </p:nvGrpSpPr>
+      <p:grpSpPr>
+        <a:xfrm>
+          <a:off x="0" y="0"/>
+          <a:ext cx="0" cy="0"/>
+          <a:chOff x="0" y="0"/>
+          <a:chExt cx="0" cy="0"/>
+        </a:xfrm>
+      </p:grpSpPr>
+      <p:sp>
+        <p:nvSpPr>
+          <p:cNvPr id="2" name="Folienbildplatzhalter 1"/>
+          <p:cNvSpPr>
+            <a:spLocks noGrp="1" noRot="1" noChangeAspect="1"/>
+          </p:cNvSpPr>
+          <p:nvPr>
+            <p:ph type="sldImg"/>
+          </p:nvPr>
+        </p:nvSpPr>
+        <p:spPr/>
+      </p:sp>
+      <p:sp>
+        <p:nvSpPr>
+          <p:cNvPr id="3" name="Notizenplatzhalter 2"/>
+          <p:cNvSpPr>
+            <a:spLocks noGrp="1"/>
+          </p:cNvSpPr>
+          <p:nvPr>
+            <p:ph type="body" idx="1"/>
+          </p:nvPr>
+        </p:nvSpPr>
+        <p:spPr/>
+        <p:txBody>
+          <a:bodyPr/>
+          <a:lstStyle/>
+          <a:p>
+            <a:pPr marL="0" marR="0" indent="0" algn="l" defTabSz="914400" rtl="0" eaLnBrk="1" fontAlgn="auto" latinLnBrk="0" hangingPunct="1">
+              <a:lnSpc>
+                <a:spcPct val="100000"/>
+              </a:lnSpc>
+              <a:spcBef>
+                <a:spcPts val="0"/>
+              </a:spcBef>
+              <a:spcAft>
+                <a:spcPts val="0"/>
+              </a:spcAft>
+              <a:buClrTx/>
+              <a:buSzTx/>
+              <a:buFontTx/>
+              <a:buNone/>
+              <a:tabLst/>
+              <a:defRPr/>
+            </a:pPr>
+            <a:r>
+              <a:rPr lang="de-DE" dirty="0" smtClean="0"/>
+              <a:t>B*,B+ und R-Baum</a:t>
+            </a:r>
+            <a:r>
+              <a:rPr lang="de-DE" baseline="0" dirty="0" smtClean="0"/>
+              <a:t> unterschiede? Wohl egal…</a:t>
+            </a:r>
+            <a:endParaRPr lang="de-DE" dirty="0" smtClean="0"/>
+          </a:p>
+        </p:txBody>
+      </p:sp>
+      <p:sp>
+        <p:nvSpPr>
+          <p:cNvPr id="4" name="Foliennummernplatzhalter 3"/>
+          <p:cNvSpPr>
+            <a:spLocks noGrp="1"/>
+          </p:cNvSpPr>
+          <p:nvPr>
+            <p:ph type="sldNum" sz="quarter" idx="10"/>
+          </p:nvPr>
+        </p:nvSpPr>
+        <p:spPr/>
+        <p:txBody>
+          <a:bodyPr/>
+          <a:lstStyle/>
+          <a:p>
+            <a:fld id="{709551B1-17A4-4981-A493-A6BC634ED851}" type="slidenum">
+              <a:rPr lang="de-DE" smtClean="0"/>
+              <a:t>9</a:t>
+            </a:fld>
+            <a:endParaRPr lang="de-DE"/>
+          </a:p>
+        </p:txBody>
+      </p:sp>
+    </p:spTree>
+    <p:extLst>
+      <p:ext uri="{BB962C8B-B14F-4D97-AF65-F5344CB8AC3E}">
+        <p14:creationId xmlns:p14="http://schemas.microsoft.com/office/powerpoint/2010/main" val="2750117730"/>
+      </p:ext>
+    </p:extLst>
+  </p:cSld>
+  <p:clrMapOvr>
+    <a:masterClrMapping/>
+  </p:clrMapOvr>
+</p:notes>
 </file>
 
 <file path=ppt/slideLayouts/slideLayout1.xml><?xml version="1.0" encoding="utf-8"?>
@@ -3588,6 +4009,93 @@
 </p:sld>
 </file>
 
+<file path=ppt/slides/slide10.xml><?xml version="1.0" encoding="utf-8"?>
+<p:sld xmlns:a="http://schemas.openxmlformats.org/drawingml/2006/main" xmlns:r="http://schemas.openxmlformats.org/officeDocument/2006/relationships" xmlns:p="http://schemas.openxmlformats.org/presentationml/2006/main">
+  <p:cSld>
+    <p:spTree>
+      <p:nvGrpSpPr>
+        <p:cNvPr id="1" name=""/>
+        <p:cNvGrpSpPr/>
+        <p:nvPr/>
+      </p:nvGrpSpPr>
+      <p:grpSpPr>
+        <a:xfrm>
+          <a:off x="0" y="0"/>
+          <a:ext cx="0" cy="0"/>
+          <a:chOff x="0" y="0"/>
+          <a:chExt cx="0" cy="0"/>
+        </a:xfrm>
+      </p:grpSpPr>
+      <p:sp>
+        <p:nvSpPr>
+          <p:cNvPr id="2" name="Titel 1"/>
+          <p:cNvSpPr>
+            <a:spLocks noGrp="1"/>
+          </p:cNvSpPr>
+          <p:nvPr>
+            <p:ph type="title"/>
+          </p:nvPr>
+        </p:nvSpPr>
+        <p:spPr/>
+        <p:txBody>
+          <a:bodyPr/>
+          <a:lstStyle/>
+          <a:p>
+            <a:r>
+              <a:rPr lang="de-DE" dirty="0" smtClean="0"/>
+              <a:t>Search Komplexität</a:t>
+            </a:r>
+            <a:endParaRPr lang="de-DE" dirty="0"/>
+          </a:p>
+        </p:txBody>
+      </p:sp>
+      <p:sp>
+        <p:nvSpPr>
+          <p:cNvPr id="3" name="Inhaltsplatzhalter 2"/>
+          <p:cNvSpPr>
+            <a:spLocks noGrp="1"/>
+          </p:cNvSpPr>
+          <p:nvPr>
+            <p:ph idx="1"/>
+          </p:nvPr>
+        </p:nvSpPr>
+        <p:spPr/>
+        <p:txBody>
+          <a:bodyPr/>
+          <a:lstStyle/>
+          <a:p>
+            <a:r>
+              <a:rPr lang="de-DE" dirty="0" err="1" smtClean="0"/>
+              <a:t>Wtf</a:t>
+            </a:r>
+            <a:r>
+              <a:rPr lang="de-DE" smtClean="0"/>
+              <a:t> ist das</a:t>
+            </a:r>
+            <a:endParaRPr lang="de-DE"/>
+          </a:p>
+        </p:txBody>
+      </p:sp>
+    </p:spTree>
+    <p:extLst>
+      <p:ext uri="{BB962C8B-B14F-4D97-AF65-F5344CB8AC3E}">
+        <p14:creationId xmlns:p14="http://schemas.microsoft.com/office/powerpoint/2010/main" val="2519389105"/>
+      </p:ext>
+    </p:extLst>
+  </p:cSld>
+  <p:clrMapOvr>
+    <a:masterClrMapping/>
+  </p:clrMapOvr>
+  <p:timing>
+    <p:tnLst>
+      <p:par>
+        <p:cTn id="1" dur="indefinite" restart="never" nodeType="tmRoot"/>
+      </p:par>
+    </p:tnLst>
+  </p:timing>
+</p:sld>
+</file>
+
 <file path=ppt/slides/slide2.xml><?xml version="1.0" encoding="utf-8"?>
 <p:sld xmlns:a="http://schemas.openxmlformats.org/drawingml/2006/main" xmlns:r="http://schemas.openxmlformats.org/officeDocument/2006/relationships" xmlns:p="http://schemas.openxmlformats.org/presentationml/2006/main">
   <p:cSld>
@@ -3673,9 +4181,182 @@
   <p:timing>
     <p:tnLst>
       <p:par>
-        <p:cTn id="1" dur="indefinite" restart="never" nodeType="tmRoot"/>
+        <p:cTn id="1" dur="indefinite" restart="never" nodeType="tmRoot">
+          <p:childTnLst>
+            <p:seq concurrent="1" nextAc="seek">
+              <p:cTn id="2" dur="indefinite" nodeType="mainSeq">
+                <p:childTnLst>
+                  <p:par>
+                    <p:cTn id="3" fill="hold">
+                      <p:stCondLst>
+                        <p:cond delay="indefinite"/>
+                      </p:stCondLst>
+                      <p:childTnLst>
+                        <p:par>
+                          <p:cTn id="4" fill="hold">
+                            <p:stCondLst>
+                              <p:cond delay="0"/>
+                            </p:stCondLst>
+                            <p:childTnLst>
+                              <p:par>
+                                <p:cTn id="5" presetID="1" presetClass="entr" presetSubtype="0" fill="hold" grpId="0" nodeType="clickEffect">
+                                  <p:stCondLst>
+                                    <p:cond delay="0"/>
+                                  </p:stCondLst>
+                                  <p:childTnLst>
+                                    <p:set>
+                                      <p:cBhvr>
+                                        <p:cTn id="6" dur="1" fill="hold">
+                                          <p:stCondLst>
+                                            <p:cond delay="0"/>
+                                          </p:stCondLst>
+                                        </p:cTn>
+                                        <p:tgtEl>
+                                          <p:spTgt spid="3">
+                                            <p:txEl>
+                                              <p:pRg st="0" end="0"/>
+                                            </p:txEl>
+                                          </p:spTgt>
+                                        </p:tgtEl>
+                                        <p:attrNameLst>
+                                          <p:attrName>style.visibility</p:attrName>
+                                        </p:attrNameLst>
+                                      </p:cBhvr>
+                                      <p:to>
+                                        <p:strVal val="visible"/>
+                                      </p:to>
+                                    </p:set>
+                                  </p:childTnLst>
+                                </p:cTn>
+                              </p:par>
+                            </p:childTnLst>
+                          </p:cTn>
+                        </p:par>
+                      </p:childTnLst>
+                    </p:cTn>
+                  </p:par>
+                  <p:par>
+                    <p:cTn id="7" fill="hold">
+                      <p:stCondLst>
+                        <p:cond delay="indefinite"/>
+                      </p:stCondLst>
+                      <p:childTnLst>
+                        <p:par>
+                          <p:cTn id="8" fill="hold">
+                            <p:stCondLst>
+                              <p:cond delay="0"/>
+                            </p:stCondLst>
+                            <p:childTnLst>
+                              <p:par>
+                                <p:cTn id="9" presetID="1" presetClass="entr" presetSubtype="0" fill="hold" grpId="0" nodeType="clickEffect">
+                                  <p:stCondLst>
+                                    <p:cond delay="0"/>
+                                  </p:stCondLst>
+                                  <p:childTnLst>
+                                    <p:set>
+                                      <p:cBhvr>
+                                        <p:cTn id="10" dur="1" fill="hold">
+                                          <p:stCondLst>
+                                            <p:cond delay="0"/>
+                                          </p:stCondLst>
+                                        </p:cTn>
+                                        <p:tgtEl>
+                                          <p:spTgt spid="3">
+                                            <p:txEl>
+                                              <p:pRg st="1" end="1"/>
+                                            </p:txEl>
+                                          </p:spTgt>
+                                        </p:tgtEl>
+                                        <p:attrNameLst>
+                                          <p:attrName>style.visibility</p:attrName>
+                                        </p:attrNameLst>
+                                      </p:cBhvr>
+                                      <p:to>
+                                        <p:strVal val="visible"/>
+                                      </p:to>
+                                    </p:set>
+                                  </p:childTnLst>
+                                </p:cTn>
+                              </p:par>
+                            </p:childTnLst>
+                          </p:cTn>
+                        </p:par>
+                      </p:childTnLst>
+                    </p:cTn>
+                  </p:par>
+                  <p:par>
+                    <p:cTn id="11" fill="hold">
+                      <p:stCondLst>
+                        <p:cond delay="indefinite"/>
+                      </p:stCondLst>
+                      <p:childTnLst>
+                        <p:par>
+                          <p:cTn id="12" fill="hold">
+                            <p:stCondLst>
+                              <p:cond delay="0"/>
+                            </p:stCondLst>
+                            <p:childTnLst>
+                              <p:par>
+                                <p:cTn id="13" presetID="1" presetClass="entr" presetSubtype="0" fill="hold" grpId="0" nodeType="clickEffect">
+                                  <p:stCondLst>
+                                    <p:cond delay="0"/>
+                                  </p:stCondLst>
+                                  <p:childTnLst>
+                                    <p:set>
+                                      <p:cBhvr>
+                                        <p:cTn id="14" dur="1" fill="hold">
+                                          <p:stCondLst>
+                                            <p:cond delay="0"/>
+                                          </p:stCondLst>
+                                        </p:cTn>
+                                        <p:tgtEl>
+                                          <p:spTgt spid="3">
+                                            <p:txEl>
+                                              <p:pRg st="2" end="2"/>
+                                            </p:txEl>
+                                          </p:spTgt>
+                                        </p:tgtEl>
+                                        <p:attrNameLst>
+                                          <p:attrName>style.visibility</p:attrName>
+                                        </p:attrNameLst>
+                                      </p:cBhvr>
+                                      <p:to>
+                                        <p:strVal val="visible"/>
+                                      </p:to>
+                                    </p:set>
+                                  </p:childTnLst>
+                                </p:cTn>
+                              </p:par>
+                            </p:childTnLst>
+                          </p:cTn>
+                        </p:par>
+                      </p:childTnLst>
+                    </p:cTn>
+                  </p:par>
+                </p:childTnLst>
+              </p:cTn>
+              <p:prevCondLst>
+                <p:cond evt="onPrev" delay="0">
+                  <p:tgtEl>
+                    <p:sldTgt/>
+                  </p:tgtEl>
+                </p:cond>
+              </p:prevCondLst>
+              <p:nextCondLst>
+                <p:cond evt="onNext" delay="0">
+                  <p:tgtEl>
+                    <p:sldTgt/>
+                  </p:tgtEl>
+                </p:cond>
+              </p:nextCondLst>
+            </p:seq>
+          </p:childTnLst>
+        </p:cTn>
       </p:par>
     </p:tnLst>
+    <p:bldLst>
+      <p:bldP spid="3" grpId="0" build="p"/>
+    </p:bldLst>
   </p:timing>
 </p:sld>
 </file>
@@ -3913,9 +4594,280 @@
   <p:timing>
     <p:tnLst>
       <p:par>
-        <p:cTn id="1" dur="indefinite" restart="never" nodeType="tmRoot"/>
+        <p:cTn id="1" dur="indefinite" restart="never" nodeType="tmRoot">
+          <p:childTnLst>
+            <p:seq concurrent="1" nextAc="seek">
+              <p:cTn id="2" dur="indefinite" nodeType="mainSeq">
+                <p:childTnLst>
+                  <p:par>
+                    <p:cTn id="3" fill="hold">
+                      <p:stCondLst>
+                        <p:cond delay="indefinite"/>
+                      </p:stCondLst>
+                      <p:childTnLst>
+                        <p:par>
+                          <p:cTn id="4" fill="hold">
+                            <p:stCondLst>
+                              <p:cond delay="0"/>
+                            </p:stCondLst>
+                            <p:childTnLst>
+                              <p:par>
+                                <p:cTn id="5" presetID="1" presetClass="entr" presetSubtype="0" fill="hold" grpId="0" nodeType="clickEffect">
+                                  <p:stCondLst>
+                                    <p:cond delay="0"/>
+                                  </p:stCondLst>
+                                  <p:childTnLst>
+                                    <p:set>
+                                      <p:cBhvr>
+                                        <p:cTn id="6" dur="1" fill="hold">
+                                          <p:stCondLst>
+                                            <p:cond delay="0"/>
+                                          </p:stCondLst>
+                                        </p:cTn>
+                                        <p:tgtEl>
+                                          <p:spTgt spid="3">
+                                            <p:txEl>
+                                              <p:pRg st="0" end="0"/>
+                                            </p:txEl>
+                                          </p:spTgt>
+                                        </p:tgtEl>
+                                        <p:attrNameLst>
+                                          <p:attrName>style.visibility</p:attrName>
+                                        </p:attrNameLst>
+                                      </p:cBhvr>
+                                      <p:to>
+                                        <p:strVal val="visible"/>
+                                      </p:to>
+                                    </p:set>
+                                  </p:childTnLst>
+                                </p:cTn>
+                              </p:par>
+                            </p:childTnLst>
+                          </p:cTn>
+                        </p:par>
+                      </p:childTnLst>
+                    </p:cTn>
+                  </p:par>
+                  <p:par>
+                    <p:cTn id="7" fill="hold">
+                      <p:stCondLst>
+                        <p:cond delay="indefinite"/>
+                      </p:stCondLst>
+                      <p:childTnLst>
+                        <p:par>
+                          <p:cTn id="8" fill="hold">
+                            <p:stCondLst>
+                              <p:cond delay="0"/>
+                            </p:stCondLst>
+                            <p:childTnLst>
+                              <p:par>
+                                <p:cTn id="9" presetID="1" presetClass="entr" presetSubtype="0" fill="hold" grpId="0" nodeType="clickEffect">
+                                  <p:stCondLst>
+                                    <p:cond delay="0"/>
+                                  </p:stCondLst>
+                                  <p:childTnLst>
+                                    <p:set>
+                                      <p:cBhvr>
+                                        <p:cTn id="10" dur="1" fill="hold">
+                                          <p:stCondLst>
+                                            <p:cond delay="0"/>
+                                          </p:stCondLst>
+                                        </p:cTn>
+                                        <p:tgtEl>
+                                          <p:spTgt spid="3">
+                                            <p:txEl>
+                                              <p:pRg st="1" end="1"/>
+                                            </p:txEl>
+                                          </p:spTgt>
+                                        </p:tgtEl>
+                                        <p:attrNameLst>
+                                          <p:attrName>style.visibility</p:attrName>
+                                        </p:attrNameLst>
+                                      </p:cBhvr>
+                                      <p:to>
+                                        <p:strVal val="visible"/>
+                                      </p:to>
+                                    </p:set>
+                                  </p:childTnLst>
+                                </p:cTn>
+                              </p:par>
+                            </p:childTnLst>
+                          </p:cTn>
+                        </p:par>
+                      </p:childTnLst>
+                    </p:cTn>
+                  </p:par>
+                  <p:par>
+                    <p:cTn id="11" fill="hold">
+                      <p:stCondLst>
+                        <p:cond delay="indefinite"/>
+                      </p:stCondLst>
+                      <p:childTnLst>
+                        <p:par>
+                          <p:cTn id="12" fill="hold">
+                            <p:stCondLst>
+                              <p:cond delay="0"/>
+                            </p:stCondLst>
+                            <p:childTnLst>
+                              <p:par>
+                                <p:cTn id="13" presetID="1" presetClass="entr" presetSubtype="0" fill="hold" grpId="0" nodeType="clickEffect">
+                                  <p:stCondLst>
+                                    <p:cond delay="0"/>
+                                  </p:stCondLst>
+                                  <p:childTnLst>
+                                    <p:set>
+                                      <p:cBhvr>
+                                        <p:cTn id="14" dur="1" fill="hold">
+                                          <p:stCondLst>
+                                            <p:cond delay="0"/>
+                                          </p:stCondLst>
+                                        </p:cTn>
+                                        <p:tgtEl>
+                                          <p:spTgt spid="3">
+                                            <p:txEl>
+                                              <p:pRg st="2" end="2"/>
+                                            </p:txEl>
+                                          </p:spTgt>
+                                        </p:tgtEl>
+                                        <p:attrNameLst>
+                                          <p:attrName>style.visibility</p:attrName>
+                                        </p:attrNameLst>
+                                      </p:cBhvr>
+                                      <p:to>
+                                        <p:strVal val="visible"/>
+                                      </p:to>
+                                    </p:set>
+                                  </p:childTnLst>
+                                </p:cTn>
+                              </p:par>
+                            </p:childTnLst>
+                          </p:cTn>
+                        </p:par>
+                      </p:childTnLst>
+                    </p:cTn>
+                  </p:par>
+                  <p:par>
+                    <p:cTn id="15" fill="hold">
+                      <p:stCondLst>
+                        <p:cond delay="indefinite"/>
+                      </p:stCondLst>
+                      <p:childTnLst>
+                        <p:par>
+                          <p:cTn id="16" fill="hold">
+                            <p:stCondLst>
+                              <p:cond delay="0"/>
+                            </p:stCondLst>
+                            <p:childTnLst>
+                              <p:par>
+                                <p:cTn id="17" presetID="1" presetClass="entr" presetSubtype="0" fill="hold" grpId="0" nodeType="clickEffect">
+                                  <p:stCondLst>
+                                    <p:cond delay="0"/>
+                                  </p:stCondLst>
+                                  <p:childTnLst>
+                                    <p:set>
+                                      <p:cBhvr>
+                                        <p:cTn id="18" dur="1" fill="hold">
+                                          <p:stCondLst>
+                                            <p:cond delay="0"/>
+                                          </p:stCondLst>
+                                        </p:cTn>
+                                        <p:tgtEl>
+                                          <p:spTgt spid="3">
+                                            <p:txEl>
+                                              <p:pRg st="3" end="3"/>
+                                            </p:txEl>
+                                          </p:spTgt>
+                                        </p:tgtEl>
+                                        <p:attrNameLst>
+                                          <p:attrName>style.visibility</p:attrName>
+                                        </p:attrNameLst>
+                                      </p:cBhvr>
+                                      <p:to>
+                                        <p:strVal val="visible"/>
+                                      </p:to>
+                                    </p:set>
+                                  </p:childTnLst>
+                                </p:cTn>
+                              </p:par>
+                            </p:childTnLst>
+                          </p:cTn>
+                        </p:par>
+                      </p:childTnLst>
+                    </p:cTn>
+                  </p:par>
+                  <p:par>
+                    <p:cTn id="19" fill="hold">
+                      <p:stCondLst>
+                        <p:cond delay="indefinite"/>
+                      </p:stCondLst>
+                      <p:childTnLst>
+                        <p:par>
+                          <p:cTn id="20" fill="hold">
+                            <p:stCondLst>
+                              <p:cond delay="0"/>
+                            </p:stCondLst>
+                            <p:childTnLst>
+                              <p:par>
+                                <p:cTn id="21" presetID="1" presetClass="entr" presetSubtype="0" fill="hold" grpId="0" nodeType="clickEffect">
+                                  <p:stCondLst>
+                                    <p:cond delay="0"/>
+                                  </p:stCondLst>
+                                  <p:childTnLst>
+                                    <p:set>
+                                      <p:cBhvr>
+                                        <p:cTn id="22" dur="1" fill="hold">
+                                          <p:stCondLst>
+                                            <p:cond delay="0"/>
+                                          </p:stCondLst>
+                                        </p:cTn>
+                                        <p:tgtEl>
+                                          <p:spTgt spid="3">
+                                            <p:txEl>
+                                              <p:pRg st="4" end="4"/>
+                                            </p:txEl>
+                                          </p:spTgt>
+                                        </p:tgtEl>
+                                        <p:attrNameLst>
+                                          <p:attrName>style.visibility</p:attrName>
+                                        </p:attrNameLst>
+                                      </p:cBhvr>
+                                      <p:to>
+                                        <p:strVal val="visible"/>
+                                      </p:to>
+                                    </p:set>
+                                  </p:childTnLst>
+                                </p:cTn>
+                              </p:par>
+                            </p:childTnLst>
+                          </p:cTn>
+                        </p:par>
+                      </p:childTnLst>
+                    </p:cTn>
+                  </p:par>
+                </p:childTnLst>
+              </p:cTn>
+              <p:prevCondLst>
+                <p:cond evt="onPrev" delay="0">
+                  <p:tgtEl>
+                    <p:sldTgt/>
+                  </p:tgtEl>
+                </p:cond>
+              </p:prevCondLst>
+              <p:nextCondLst>
+                <p:cond evt="onNext" delay="0">
+                  <p:tgtEl>
+                    <p:sldTgt/>
+                  </p:tgtEl>
+                </p:cond>
+              </p:nextCondLst>
+            </p:seq>
+          </p:childTnLst>
+        </p:cTn>
       </p:par>
     </p:tnLst>
+    <p:bldLst>
+      <p:bldP spid="3" grpId="0" build="p"/>
+    </p:bldLst>
   </p:timing>
 </p:sld>
 </file>
@@ -3975,22 +4927,6 @@
           <a:bodyPr/>
           <a:lstStyle/>
           <a:p>
-            <a:r>
-              <a:rPr lang="de-DE" dirty="0" smtClean="0"/>
-              <a:t>Einfügen</a:t>
-            </a:r>
-          </a:p>
-          <a:p>
-            <a:r>
-              <a:rPr lang="de-DE" dirty="0" smtClean="0"/>
-              <a:t>Suchen</a:t>
-            </a:r>
-          </a:p>
-          <a:p>
-            <a:r>
-              <a:rPr lang="de-DE" dirty="0" smtClean="0"/>
-              <a:t>Löschen</a:t>
-            </a:r>
             <a:endParaRPr lang="de-DE" dirty="0"/>
           </a:p>
         </p:txBody>
@@ -4000,6 +4936,13 @@
   <p:clrMapOvr>
     <a:masterClrMapping/>
   </p:clrMapOvr>
+  <p:timing>
+    <p:tnLst>
+      <p:par>
+        <p:cTn id="1" dur="indefinite" restart="never" nodeType="tmRoot"/>
+      </p:par>
+    </p:tnLst>
+  </p:timing>
 </p:sld>
 </file>
 
@@ -4095,17 +5038,12 @@
                 </a14:m>
                 <a:r>
                   <a:rPr lang="de-DE" dirty="0" smtClean="0"/>
-                  <a:t> gefüllt</a:t>
+                  <a:t> </a:t>
                 </a:r>
-              </a:p>
-              <a:p>
                 <a:r>
                   <a:rPr lang="de-DE" dirty="0" smtClean="0"/>
-                  <a:t>Wodurch wird dies erfüllt?</a:t>
+                  <a:t>gefüllt</a:t>
                 </a:r>
-              </a:p>
-              <a:p>
-                <a:endParaRPr lang="de-DE" dirty="0"/>
               </a:p>
             </p:txBody>
           </p:sp>
@@ -4123,7 +5061,7 @@
             </p:nvSpPr>
             <p:spPr>
               <a:blipFill rotWithShape="1">
-                <a:blip r:embed="rId2"/>
+                <a:blip r:embed="rId3"/>
                 <a:stretch>
                   <a:fillRect l="-1630"/>
                 </a:stretch>
@@ -4149,6 +5087,13 @@
   <p:clrMapOvr>
     <a:masterClrMapping/>
   </p:clrMapOvr>
+  <p:timing>
+    <p:tnLst>
+      <p:par>
+        <p:cTn id="1" dur="indefinite" restart="never" nodeType="tmRoot"/>
+      </p:par>
+    </p:tnLst>
+  </p:timing>
 </p:sld>
 </file>
 
@@ -4234,6 +5179,186 @@
   <p:clrMapOvr>
     <a:masterClrMapping/>
   </p:clrMapOvr>
+  <p:timing>
+    <p:tnLst>
+      <p:par>
+        <p:cTn id="1" dur="indefinite" restart="never" nodeType="tmRoot">
+          <p:childTnLst>
+            <p:seq concurrent="1" nextAc="seek">
+              <p:cTn id="2" dur="indefinite" nodeType="mainSeq">
+                <p:childTnLst>
+                  <p:par>
+                    <p:cTn id="3" fill="hold">
+                      <p:stCondLst>
+                        <p:cond delay="indefinite"/>
+                      </p:stCondLst>
+                      <p:childTnLst>
+                        <p:par>
+                          <p:cTn id="4" fill="hold">
+                            <p:stCondLst>
+                              <p:cond delay="0"/>
+                            </p:stCondLst>
+                            <p:childTnLst>
+                              <p:par>
+                                <p:cTn id="5" presetID="1" presetClass="entr" presetSubtype="0" fill="hold" grpId="0" nodeType="clickEffect">
+                                  <p:stCondLst>
+                                    <p:cond delay="0"/>
+                                  </p:stCondLst>
+                                  <p:childTnLst>
+                                    <p:set>
+                                      <p:cBhvr>
+                                        <p:cTn id="6" dur="1" fill="hold">
+                                          <p:stCondLst>
+                                            <p:cond delay="0"/>
+                                          </p:stCondLst>
+                                        </p:cTn>
+                                        <p:tgtEl>
+                                          <p:spTgt spid="3">
+                                            <p:txEl>
+                                              <p:pRg st="0" end="0"/>
+                                            </p:txEl>
+                                          </p:spTgt>
+                                        </p:tgtEl>
+                                        <p:attrNameLst>
+                                          <p:attrName>style.visibility</p:attrName>
+                                        </p:attrNameLst>
+                                      </p:cBhvr>
+                                      <p:to>
+                                        <p:strVal val="visible"/>
+                                      </p:to>
+                                    </p:set>
+                                  </p:childTnLst>
+                                </p:cTn>
+                              </p:par>
+                            </p:childTnLst>
+                          </p:cTn>
+                        </p:par>
+                      </p:childTnLst>
+                    </p:cTn>
+                  </p:par>
+                  <p:par>
+                    <p:cTn id="7" fill="hold">
+                      <p:stCondLst>
+                        <p:cond delay="indefinite"/>
+                      </p:stCondLst>
+                      <p:childTnLst>
+                        <p:par>
+                          <p:cTn id="8" fill="hold">
+                            <p:stCondLst>
+                              <p:cond delay="0"/>
+                            </p:stCondLst>
+                            <p:childTnLst>
+                              <p:par>
+                                <p:cTn id="9" presetID="1" presetClass="entr" presetSubtype="0" fill="hold" grpId="0" nodeType="clickEffect">
+                                  <p:stCondLst>
+                                    <p:cond delay="0"/>
+                                  </p:stCondLst>
+                                  <p:childTnLst>
+                                    <p:set>
+                                      <p:cBhvr>
+                                        <p:cTn id="10" dur="1" fill="hold">
+                                          <p:stCondLst>
+                                            <p:cond delay="0"/>
+                                          </p:stCondLst>
+                                        </p:cTn>
+                                        <p:tgtEl>
+                                          <p:spTgt spid="3">
+                                            <p:txEl>
+                                              <p:pRg st="1" end="1"/>
+                                            </p:txEl>
+                                          </p:spTgt>
+                                        </p:tgtEl>
+                                        <p:attrNameLst>
+                                          <p:attrName>style.visibility</p:attrName>
+                                        </p:attrNameLst>
+                                      </p:cBhvr>
+                                      <p:to>
+                                        <p:strVal val="visible"/>
+                                      </p:to>
+                                    </p:set>
+                                  </p:childTnLst>
+                                </p:cTn>
+                              </p:par>
+                            </p:childTnLst>
+                          </p:cTn>
+                        </p:par>
+                      </p:childTnLst>
+                    </p:cTn>
+                  </p:par>
+                  <p:par>
+                    <p:cTn id="11" fill="hold">
+                      <p:stCondLst>
+                        <p:cond delay="indefinite"/>
+                      </p:stCondLst>
+                      <p:childTnLst>
+                        <p:par>
+                          <p:cTn id="12" fill="hold">
+                            <p:stCondLst>
+                              <p:cond delay="0"/>
+                            </p:stCondLst>
+                            <p:childTnLst>
+                              <p:par>
+                                <p:cTn id="13" presetID="1" presetClass="entr" presetSubtype="0" fill="hold" grpId="0" nodeType="clickEffect">
+                                  <p:stCondLst>
+                                    <p:cond delay="0"/>
+                                  </p:stCondLst>
+                                  <p:childTnLst>
+                                    <p:set>
+                                      <p:cBhvr>
+                                        <p:cTn id="14" dur="1" fill="hold">
+                                          <p:stCondLst>
+                                            <p:cond delay="0"/>
+                                          </p:stCondLst>
+                                        </p:cTn>
+                                        <p:tgtEl>
+                                          <p:spTgt spid="3">
+                                            <p:txEl>
+                                              <p:pRg st="2" end="2"/>
+                                            </p:txEl>
+                                          </p:spTgt>
+                                        </p:tgtEl>
+                                        <p:attrNameLst>
+                                          <p:attrName>style.visibility</p:attrName>
+                                        </p:attrNameLst>
+                                      </p:cBhvr>
+                                      <p:to>
+                                        <p:strVal val="visible"/>
+                                      </p:to>
+                                    </p:set>
+                                  </p:childTnLst>
+                                </p:cTn>
+                              </p:par>
+                            </p:childTnLst>
+                          </p:cTn>
+                        </p:par>
+                      </p:childTnLst>
+                    </p:cTn>
+                  </p:par>
+                </p:childTnLst>
+              </p:cTn>
+              <p:prevCondLst>
+                <p:cond evt="onPrev" delay="0">
+                  <p:tgtEl>
+                    <p:sldTgt/>
+                  </p:tgtEl>
+                </p:cond>
+              </p:prevCondLst>
+              <p:nextCondLst>
+                <p:cond evt="onNext" delay="0">
+                  <p:tgtEl>
+                    <p:sldTgt/>
+                  </p:tgtEl>
+                </p:cond>
+              </p:nextCondLst>
+            </p:seq>
+          </p:childTnLst>
+        </p:cTn>
+      </p:par>
+    </p:tnLst>
+    <p:bldLst>
+      <p:bldP spid="3" grpId="0" build="p"/>
+    </p:bldLst>
+  </p:timing>
 </p:sld>
 </file>
 
@@ -4292,22 +5417,6 @@
           <a:bodyPr/>
           <a:lstStyle/>
           <a:p>
-            <a:r>
-              <a:rPr lang="de-DE" dirty="0" smtClean="0"/>
-              <a:t>Suchen</a:t>
-            </a:r>
-          </a:p>
-          <a:p>
-            <a:r>
-              <a:rPr lang="de-DE" dirty="0" smtClean="0"/>
-              <a:t>Einfügen</a:t>
-            </a:r>
-          </a:p>
-          <a:p>
-            <a:r>
-              <a:rPr lang="de-DE" dirty="0" smtClean="0"/>
-              <a:t>Löschen</a:t>
-            </a:r>
             <a:endParaRPr lang="de-DE" dirty="0"/>
           </a:p>
         </p:txBody>
@@ -4317,6 +5426,13 @@
   <p:clrMapOvr>
     <a:masterClrMapping/>
   </p:clrMapOvr>
+  <p:timing>
+    <p:tnLst>
+      <p:par>
+        <p:cTn id="1" dur="indefinite" restart="never" nodeType="tmRoot"/>
+      </p:par>
+    </p:tnLst>
+  </p:timing>
 </p:sld>
 </file>
 
@@ -4435,6 +5551,182 @@
   <p:clrMapOvr>
     <a:masterClrMapping/>
   </p:clrMapOvr>
+  <p:timing>
+    <p:tnLst>
+      <p:par>
+        <p:cTn id="1" dur="indefinite" restart="never" nodeType="tmRoot">
+          <p:childTnLst>
+            <p:seq concurrent="1" nextAc="seek">
+              <p:cTn id="2" dur="indefinite" nodeType="mainSeq">
+                <p:childTnLst>
+                  <p:par>
+                    <p:cTn id="3" fill="hold">
+                      <p:stCondLst>
+                        <p:cond delay="indefinite"/>
+                      </p:stCondLst>
+                      <p:childTnLst>
+                        <p:par>
+                          <p:cTn id="4" fill="hold">
+                            <p:stCondLst>
+                              <p:cond delay="0"/>
+                            </p:stCondLst>
+                            <p:childTnLst>
+                              <p:par>
+                                <p:cTn id="5" presetID="1" presetClass="entr" presetSubtype="0" fill="hold" grpId="0" nodeType="clickEffect">
+                                  <p:stCondLst>
+                                    <p:cond delay="0"/>
+                                  </p:stCondLst>
+                                  <p:childTnLst>
+                                    <p:set>
+                                      <p:cBhvr>
+                                        <p:cTn id="6" dur="1" fill="hold">
+                                          <p:stCondLst>
+                                            <p:cond delay="0"/>
+                                          </p:stCondLst>
+                                        </p:cTn>
+                                        <p:tgtEl>
+                                          <p:spTgt spid="3">
+                                            <p:txEl>
+                                              <p:pRg st="0" end="0"/>
+                                            </p:txEl>
+                                          </p:spTgt>
+                                        </p:tgtEl>
+                                        <p:attrNameLst>
+                                          <p:attrName>style.visibility</p:attrName>
+                                        </p:attrNameLst>
+                                      </p:cBhvr>
+                                      <p:to>
+                                        <p:strVal val="visible"/>
+                                      </p:to>
+                                    </p:set>
+                                  </p:childTnLst>
+                                </p:cTn>
+                              </p:par>
+                            </p:childTnLst>
+                          </p:cTn>
+                        </p:par>
+                      </p:childTnLst>
+                    </p:cTn>
+                  </p:par>
+                  <p:par>
+                    <p:cTn id="7" fill="hold">
+                      <p:stCondLst>
+                        <p:cond delay="indefinite"/>
+                      </p:stCondLst>
+                      <p:childTnLst>
+                        <p:par>
+                          <p:cTn id="8" fill="hold">
+                            <p:stCondLst>
+                              <p:cond delay="0"/>
+                            </p:stCondLst>
+                            <p:childTnLst>
+                              <p:par>
+                                <p:cTn id="9" presetID="1" presetClass="entr" presetSubtype="0" fill="hold" grpId="0" nodeType="clickEffect">
+                                  <p:stCondLst>
+                                    <p:cond delay="0"/>
+                                  </p:stCondLst>
+                                  <p:childTnLst>
+                                    <p:set>
+                                      <p:cBhvr>
+                                        <p:cTn id="10" dur="1" fill="hold">
+                                          <p:stCondLst>
+                                            <p:cond delay="0"/>
+                                          </p:stCondLst>
+                                        </p:cTn>
+                                        <p:tgtEl>
+                                          <p:spTgt spid="3">
+                                            <p:txEl>
+                                              <p:pRg st="1" end="1"/>
+                                            </p:txEl>
+                                          </p:spTgt>
+                                        </p:tgtEl>
+                                        <p:attrNameLst>
+                                          <p:attrName>style.visibility</p:attrName>
+                                        </p:attrNameLst>
+                                      </p:cBhvr>
+                                      <p:to>
+                                        <p:strVal val="visible"/>
+                                      </p:to>
+                                    </p:set>
+                                  </p:childTnLst>
+                                </p:cTn>
+                              </p:par>
+                            </p:childTnLst>
+                          </p:cTn>
+                        </p:par>
+                      </p:childTnLst>
+                    </p:cTn>
+                  </p:par>
+                  <p:par>
+                    <p:cTn id="11" fill="hold">
+                      <p:stCondLst>
+                        <p:cond delay="indefinite"/>
+                      </p:stCondLst>
+                      <p:childTnLst>
+                        <p:par>
+                          <p:cTn id="12" fill="hold">
+                            <p:stCondLst>
+                              <p:cond delay="0"/>
+                            </p:stCondLst>
+                            <p:childTnLst>
+                              <p:par>
+                                <p:cTn id="13" presetID="1" presetClass="entr" presetSubtype="0" fill="hold" nodeType="clickEffect">
+                                  <p:stCondLst>
+                                    <p:cond delay="0"/>
+                                  </p:stCondLst>
+                                  <p:childTnLst>
+                                    <p:set>
+                                      <p:cBhvr>
+                                        <p:cTn id="14" dur="1" fill="hold">
+                                          <p:stCondLst>
+                                            <p:cond delay="0"/>
+                                          </p:stCondLst>
+                                        </p:cTn>
+                                        <p:tgtEl>
+                                          <p:spTgt spid="2050"/>
+                                        </p:tgtEl>
+                                        <p:attrNameLst>
+                                          <p:attrName>style.visibility</p:attrName>
+                                        </p:attrNameLst>
+                                      </p:cBhvr>
+                                      <p:to>
+                                        <p:strVal val="visible"/>
+                                      </p:to>
+                                    </p:set>
+                                  </p:childTnLst>
+                                </p:cTn>
+                              </p:par>
+                            </p:childTnLst>
+                          </p:cTn>
+                        </p:par>
+                      </p:childTnLst>
+                    </p:cTn>
+                  </p:par>
+                </p:childTnLst>
+              </p:cTn>
+              <p:prevCondLst>
+                <p:cond evt="onPrev" delay="0">
+                  <p:tgtEl>
+                    <p:sldTgt/>
+                  </p:tgtEl>
+                </p:cond>
+              </p:prevCondLst>
+              <p:nextCondLst>
+                <p:cond evt="onNext" delay="0">
+                  <p:tgtEl>
+                    <p:sldTgt/>
+                  </p:tgtEl>
+                </p:cond>
+              </p:nextCondLst>
+            </p:seq>
+          </p:childTnLst>
+        </p:cTn>
+      </p:par>
+    </p:tnLst>
+    <p:bldLst>
+      <p:bldP spid="3" grpId="0" uiExpand="1" build="p"/>
+    </p:bldLst>
+  </p:timing>
 </p:sld>
 </file>
 
@@ -4627,12 +5919,7 @@
                   <a:rPr lang="de-DE" dirty="0" smtClean="0"/>
                   <a:t>)</a:t>
                 </a:r>
-              </a:p>
-              <a:p>
-                <a:r>
-                  <a:rPr lang="de-DE" dirty="0" smtClean="0"/>
-                  <a:t>B*,B+ und R-Baum</a:t>
-                </a:r>
+                <a:endParaRPr lang="de-DE" dirty="0" smtClean="0"/>
               </a:p>
             </p:txBody>
           </p:sp>
@@ -4650,7 +5937,7 @@
             </p:nvSpPr>
             <p:spPr>
               <a:blipFill rotWithShape="1">
-                <a:blip r:embed="rId2"/>
+                <a:blip r:embed="rId3"/>
                 <a:stretch>
                   <a:fillRect l="-1630" t="-1752"/>
                 </a:stretch>
@@ -4676,6 +5963,235 @@
   <p:clrMapOvr>
     <a:masterClrMapping/>
   </p:clrMapOvr>
+  <p:timing>
+    <p:tnLst>
+      <p:par>
+        <p:cTn id="1" dur="indefinite" restart="never" nodeType="tmRoot">
+          <p:childTnLst>
+            <p:seq concurrent="1" nextAc="seek">
+              <p:cTn id="2" dur="indefinite" nodeType="mainSeq">
+                <p:childTnLst>
+                  <p:par>
+                    <p:cTn id="3" fill="hold">
+                      <p:stCondLst>
+                        <p:cond delay="indefinite"/>
+                      </p:stCondLst>
+                      <p:childTnLst>
+                        <p:par>
+                          <p:cTn id="4" fill="hold">
+                            <p:stCondLst>
+                              <p:cond delay="0"/>
+                            </p:stCondLst>
+                            <p:childTnLst>
+                              <p:par>
+                                <p:cTn id="5" presetID="1" presetClass="entr" presetSubtype="0" fill="hold" grpId="0" nodeType="clickEffect">
+                                  <p:stCondLst>
+                                    <p:cond delay="0"/>
+                                  </p:stCondLst>
+                                  <p:childTnLst>
+                                    <p:set>
+                                      <p:cBhvr>
+                                        <p:cTn id="6" dur="1" fill="hold">
+                                          <p:stCondLst>
+                                            <p:cond delay="0"/>
+                                          </p:stCondLst>
+                                        </p:cTn>
+                                        <p:tgtEl>
+                                          <p:spTgt spid="3">
+                                            <p:txEl>
+                                              <p:pRg st="0" end="0"/>
+                                            </p:txEl>
+                                          </p:spTgt>
+                                        </p:tgtEl>
+                                        <p:attrNameLst>
+                                          <p:attrName>style.visibility</p:attrName>
+                                        </p:attrNameLst>
+                                      </p:cBhvr>
+                                      <p:to>
+                                        <p:strVal val="visible"/>
+                                      </p:to>
+                                    </p:set>
+                                  </p:childTnLst>
+                                </p:cTn>
+                              </p:par>
+                            </p:childTnLst>
+                          </p:cTn>
+                        </p:par>
+                      </p:childTnLst>
+                    </p:cTn>
+                  </p:par>
+                  <p:par>
+                    <p:cTn id="7" fill="hold">
+                      <p:stCondLst>
+                        <p:cond delay="indefinite"/>
+                      </p:stCondLst>
+                      <p:childTnLst>
+                        <p:par>
+                          <p:cTn id="8" fill="hold">
+                            <p:stCondLst>
+                              <p:cond delay="0"/>
+                            </p:stCondLst>
+                            <p:childTnLst>
+                              <p:par>
+                                <p:cTn id="9" presetID="1" presetClass="entr" presetSubtype="0" fill="hold" grpId="0" nodeType="clickEffect">
+                                  <p:stCondLst>
+                                    <p:cond delay="0"/>
+                                  </p:stCondLst>
+                                  <p:childTnLst>
+                                    <p:set>
+                                      <p:cBhvr>
+                                        <p:cTn id="10" dur="1" fill="hold">
+                                          <p:stCondLst>
+                                            <p:cond delay="0"/>
+                                          </p:stCondLst>
+                                        </p:cTn>
+                                        <p:tgtEl>
+                                          <p:spTgt spid="3">
+                                            <p:txEl>
+                                              <p:pRg st="1" end="1"/>
+                                            </p:txEl>
+                                          </p:spTgt>
+                                        </p:tgtEl>
+                                        <p:attrNameLst>
+                                          <p:attrName>style.visibility</p:attrName>
+                                        </p:attrNameLst>
+                                      </p:cBhvr>
+                                      <p:to>
+                                        <p:strVal val="visible"/>
+                                      </p:to>
+                                    </p:set>
+                                  </p:childTnLst>
+                                </p:cTn>
+                              </p:par>
+                            </p:childTnLst>
+                          </p:cTn>
+                        </p:par>
+                      </p:childTnLst>
+                    </p:cTn>
+                  </p:par>
+                  <p:par>
+                    <p:cTn id="11" fill="hold">
+                      <p:stCondLst>
+                        <p:cond delay="indefinite"/>
+                      </p:stCondLst>
+                      <p:childTnLst>
+                        <p:par>
+                          <p:cTn id="12" fill="hold">
+                            <p:stCondLst>
+                              <p:cond delay="0"/>
+                            </p:stCondLst>
+                            <p:childTnLst>
+                              <p:par>
+                                <p:cTn id="13" presetID="1" presetClass="entr" presetSubtype="0" fill="hold" grpId="0" nodeType="clickEffect">
+                                  <p:stCondLst>
+                                    <p:cond delay="0"/>
+                                  </p:stCondLst>
+                                  <p:childTnLst>
+                                    <p:set>
+                                      <p:cBhvr>
+                                        <p:cTn id="14" dur="1" fill="hold">
+                                          <p:stCondLst>
+                                            <p:cond delay="0"/>
+                                          </p:stCondLst>
+                                        </p:cTn>
+                                        <p:tgtEl>
+                                          <p:spTgt spid="3">
+                                            <p:txEl>
+                                              <p:pRg st="2" end="2"/>
+                                            </p:txEl>
+                                          </p:spTgt>
+                                        </p:tgtEl>
+                                        <p:attrNameLst>
+                                          <p:attrName>style.visibility</p:attrName>
+                                        </p:attrNameLst>
+                                      </p:cBhvr>
+                                      <p:to>
+                                        <p:strVal val="visible"/>
+                                      </p:to>
+                                    </p:set>
+                                  </p:childTnLst>
+                                </p:cTn>
+                              </p:par>
+                            </p:childTnLst>
+                          </p:cTn>
+                        </p:par>
+                      </p:childTnLst>
+                    </p:cTn>
+                  </p:par>
+                  <p:par>
+                    <p:cTn id="15" fill="hold">
+                      <p:stCondLst>
+                        <p:cond delay="indefinite"/>
+                      </p:stCondLst>
+                      <p:childTnLst>
+                        <p:par>
+                          <p:cTn id="16" fill="hold">
+                            <p:stCondLst>
+                              <p:cond delay="0"/>
+                            </p:stCondLst>
+                            <p:childTnLst>
+                              <p:par>
+                                <p:cTn id="17" presetID="1" presetClass="entr" presetSubtype="0" fill="hold" grpId="0" nodeType="clickEffect">
+                                  <p:stCondLst>
+                                    <p:cond delay="0"/>
+                                  </p:stCondLst>
+                                  <p:childTnLst>
+                                    <p:set>
+                                      <p:cBhvr>
+                                        <p:cTn id="18" dur="1" fill="hold">
+                                          <p:stCondLst>
+                                            <p:cond delay="0"/>
+                                          </p:stCondLst>
+                                        </p:cTn>
+                                        <p:tgtEl>
+                                          <p:spTgt spid="3">
+                                            <p:txEl>
+                                              <p:pRg st="3" end="3"/>
+                                            </p:txEl>
+                                          </p:spTgt>
+                                        </p:tgtEl>
+                                        <p:attrNameLst>
+                                          <p:attrName>style.visibility</p:attrName>
+                                        </p:attrNameLst>
+                                      </p:cBhvr>
+                                      <p:to>
+                                        <p:strVal val="visible"/>
+                                      </p:to>
+                                    </p:set>
+                                  </p:childTnLst>
+                                </p:cTn>
+                              </p:par>
+                            </p:childTnLst>
+                          </p:cTn>
+                        </p:par>
+                      </p:childTnLst>
+                    </p:cTn>
+                  </p:par>
+                </p:childTnLst>
+              </p:cTn>
+              <p:prevCondLst>
+                <p:cond evt="onPrev" delay="0">
+                  <p:tgtEl>
+                    <p:sldTgt/>
+                  </p:tgtEl>
+                </p:cond>
+              </p:prevCondLst>
+              <p:nextCondLst>
+                <p:cond evt="onNext" delay="0">
+                  <p:tgtEl>
+                    <p:sldTgt/>
+                  </p:tgtEl>
+                </p:cond>
+              </p:nextCondLst>
+            </p:seq>
+          </p:childTnLst>
+        </p:cTn>
+      </p:par>
+    </p:tnLst>
+    <p:bldLst>
+      <p:bldP spid="3" grpId="0" build="p"/>
+    </p:bldLst>
+  </p:timing>
 </p:sld>
 </file>
 

--- a/blob/blatt1/ae.pptx
+++ b/blob/blatt1/ae.pptx
@@ -5,7 +5,7 @@
     <p:sldMasterId id="2147483648" r:id="rId1"/>
   </p:sldMasterIdLst>
   <p:notesMasterIdLst>
-    <p:notesMasterId r:id="rId12"/>
+    <p:notesMasterId r:id="rId10"/>
   </p:notesMasterIdLst>
   <p:sldIdLst>
     <p:sldId id="256" r:id="rId2"/>
@@ -15,9 +15,7 @@
     <p:sldId id="261" r:id="rId6"/>
     <p:sldId id="263" r:id="rId7"/>
     <p:sldId id="264" r:id="rId8"/>
-    <p:sldId id="265" r:id="rId9"/>
-    <p:sldId id="267" r:id="rId10"/>
-    <p:sldId id="268" r:id="rId11"/>
+    <p:sldId id="267" r:id="rId9"/>
   </p:sldIdLst>
   <p:sldSz cx="9144000" cy="6858000" type="screen4x3"/>
   <p:notesSz cx="6858000" cy="9144000"/>
@@ -201,7 +199,7 @@
           <a:p>
             <a:fld id="{D2922177-7DA1-4945-8C06-2F4AB02561B0}" type="datetimeFigureOut">
               <a:rPr lang="de-DE" smtClean="0"/>
-              <a:t>09.11.2013</a:t>
+              <a:t>11.11.2013</a:t>
             </a:fld>
             <a:endParaRPr lang="de-DE"/>
           </a:p>
@@ -872,7 +870,7 @@
           <a:p>
             <a:fld id="{709551B1-17A4-4981-A493-A6BC634ED851}" type="slidenum">
               <a:rPr lang="de-DE" smtClean="0"/>
-              <a:t>9</a:t>
+              <a:t>8</a:t>
             </a:fld>
             <a:endParaRPr lang="de-DE"/>
           </a:p>
@@ -1073,7 +1071,7 @@
             <a:fld id="{04842B03-E09C-4A04-993A-DC95B0F05096}" type="datetimeFigureOut">
               <a:rPr lang="de-DE" smtClean="0"/>
               <a:pPr/>
-              <a:t>09.11.2013</a:t>
+              <a:t>11.11.2013</a:t>
             </a:fld>
             <a:endParaRPr lang="de-DE"/>
           </a:p>
@@ -1240,7 +1238,7 @@
             <a:fld id="{04842B03-E09C-4A04-993A-DC95B0F05096}" type="datetimeFigureOut">
               <a:rPr lang="de-DE" smtClean="0"/>
               <a:pPr/>
-              <a:t>09.11.2013</a:t>
+              <a:t>11.11.2013</a:t>
             </a:fld>
             <a:endParaRPr lang="de-DE"/>
           </a:p>
@@ -1417,7 +1415,7 @@
             <a:fld id="{04842B03-E09C-4A04-993A-DC95B0F05096}" type="datetimeFigureOut">
               <a:rPr lang="de-DE" smtClean="0"/>
               <a:pPr/>
-              <a:t>09.11.2013</a:t>
+              <a:t>11.11.2013</a:t>
             </a:fld>
             <a:endParaRPr lang="de-DE"/>
           </a:p>
@@ -1584,7 +1582,7 @@
             <a:fld id="{04842B03-E09C-4A04-993A-DC95B0F05096}" type="datetimeFigureOut">
               <a:rPr lang="de-DE" smtClean="0"/>
               <a:pPr/>
-              <a:t>09.11.2013</a:t>
+              <a:t>11.11.2013</a:t>
             </a:fld>
             <a:endParaRPr lang="de-DE"/>
           </a:p>
@@ -1827,7 +1825,7 @@
             <a:fld id="{04842B03-E09C-4A04-993A-DC95B0F05096}" type="datetimeFigureOut">
               <a:rPr lang="de-DE" smtClean="0"/>
               <a:pPr/>
-              <a:t>09.11.2013</a:t>
+              <a:t>11.11.2013</a:t>
             </a:fld>
             <a:endParaRPr lang="de-DE"/>
           </a:p>
@@ -2112,7 +2110,7 @@
             <a:fld id="{04842B03-E09C-4A04-993A-DC95B0F05096}" type="datetimeFigureOut">
               <a:rPr lang="de-DE" smtClean="0"/>
               <a:pPr/>
-              <a:t>09.11.2013</a:t>
+              <a:t>11.11.2013</a:t>
             </a:fld>
             <a:endParaRPr lang="de-DE"/>
           </a:p>
@@ -2531,7 +2529,7 @@
             <a:fld id="{04842B03-E09C-4A04-993A-DC95B0F05096}" type="datetimeFigureOut">
               <a:rPr lang="de-DE" smtClean="0"/>
               <a:pPr/>
-              <a:t>09.11.2013</a:t>
+              <a:t>11.11.2013</a:t>
             </a:fld>
             <a:endParaRPr lang="de-DE"/>
           </a:p>
@@ -2646,7 +2644,7 @@
             <a:fld id="{04842B03-E09C-4A04-993A-DC95B0F05096}" type="datetimeFigureOut">
               <a:rPr lang="de-DE" smtClean="0"/>
               <a:pPr/>
-              <a:t>09.11.2013</a:t>
+              <a:t>11.11.2013</a:t>
             </a:fld>
             <a:endParaRPr lang="de-DE"/>
           </a:p>
@@ -2738,7 +2736,7 @@
             <a:fld id="{04842B03-E09C-4A04-993A-DC95B0F05096}" type="datetimeFigureOut">
               <a:rPr lang="de-DE" smtClean="0"/>
               <a:pPr/>
-              <a:t>09.11.2013</a:t>
+              <a:t>11.11.2013</a:t>
             </a:fld>
             <a:endParaRPr lang="de-DE"/>
           </a:p>
@@ -3012,7 +3010,7 @@
             <a:fld id="{04842B03-E09C-4A04-993A-DC95B0F05096}" type="datetimeFigureOut">
               <a:rPr lang="de-DE" smtClean="0"/>
               <a:pPr/>
-              <a:t>09.11.2013</a:t>
+              <a:t>11.11.2013</a:t>
             </a:fld>
             <a:endParaRPr lang="de-DE"/>
           </a:p>
@@ -3262,7 +3260,7 @@
             <a:fld id="{04842B03-E09C-4A04-993A-DC95B0F05096}" type="datetimeFigureOut">
               <a:rPr lang="de-DE" smtClean="0"/>
               <a:pPr/>
-              <a:t>09.11.2013</a:t>
+              <a:t>11.11.2013</a:t>
             </a:fld>
             <a:endParaRPr lang="de-DE"/>
           </a:p>
@@ -3472,7 +3470,7 @@
             <a:fld id="{04842B03-E09C-4A04-993A-DC95B0F05096}" type="datetimeFigureOut">
               <a:rPr lang="de-DE" smtClean="0"/>
               <a:pPr/>
-              <a:t>09.11.2013</a:t>
+              <a:t>11.11.2013</a:t>
             </a:fld>
             <a:endParaRPr lang="de-DE"/>
           </a:p>
@@ -4009,93 +4007,6 @@
 </p:sld>
 </file>
 
-<file path=ppt/slides/slide10.xml><?xml version="1.0" encoding="utf-8"?>
-<p:sld xmlns:a="http://schemas.openxmlformats.org/drawingml/2006/main" xmlns:r="http://schemas.openxmlformats.org/officeDocument/2006/relationships" xmlns:p="http://schemas.openxmlformats.org/presentationml/2006/main">
-  <p:cSld>
-    <p:spTree>
-      <p:nvGrpSpPr>
-        <p:cNvPr id="1" name=""/>
-        <p:cNvGrpSpPr/>
-        <p:nvPr/>
-      </p:nvGrpSpPr>
-      <p:grpSpPr>
-        <a:xfrm>
-          <a:off x="0" y="0"/>
-          <a:ext cx="0" cy="0"/>
-          <a:chOff x="0" y="0"/>
-          <a:chExt cx="0" cy="0"/>
-        </a:xfrm>
-      </p:grpSpPr>
-      <p:sp>
-        <p:nvSpPr>
-          <p:cNvPr id="2" name="Titel 1"/>
-          <p:cNvSpPr>
-            <a:spLocks noGrp="1"/>
-          </p:cNvSpPr>
-          <p:nvPr>
-            <p:ph type="title"/>
-          </p:nvPr>
-        </p:nvSpPr>
-        <p:spPr/>
-        <p:txBody>
-          <a:bodyPr/>
-          <a:lstStyle/>
-          <a:p>
-            <a:r>
-              <a:rPr lang="de-DE" dirty="0" smtClean="0"/>
-              <a:t>Search Komplexität</a:t>
-            </a:r>
-            <a:endParaRPr lang="de-DE" dirty="0"/>
-          </a:p>
-        </p:txBody>
-      </p:sp>
-      <p:sp>
-        <p:nvSpPr>
-          <p:cNvPr id="3" name="Inhaltsplatzhalter 2"/>
-          <p:cNvSpPr>
-            <a:spLocks noGrp="1"/>
-          </p:cNvSpPr>
-          <p:nvPr>
-            <p:ph idx="1"/>
-          </p:nvPr>
-        </p:nvSpPr>
-        <p:spPr/>
-        <p:txBody>
-          <a:bodyPr/>
-          <a:lstStyle/>
-          <a:p>
-            <a:r>
-              <a:rPr lang="de-DE" dirty="0" err="1" smtClean="0"/>
-              <a:t>Wtf</a:t>
-            </a:r>
-            <a:r>
-              <a:rPr lang="de-DE" smtClean="0"/>
-              <a:t> ist das</a:t>
-            </a:r>
-            <a:endParaRPr lang="de-DE"/>
-          </a:p>
-        </p:txBody>
-      </p:sp>
-    </p:spTree>
-    <p:extLst>
-      <p:ext uri="{BB962C8B-B14F-4D97-AF65-F5344CB8AC3E}">
-        <p14:creationId xmlns:p14="http://schemas.microsoft.com/office/powerpoint/2010/main" val="2519389105"/>
-      </p:ext>
-    </p:extLst>
-  </p:cSld>
-  <p:clrMapOvr>
-    <a:masterClrMapping/>
-  </p:clrMapOvr>
-  <p:timing>
-    <p:tnLst>
-      <p:par>
-        <p:cTn id="1" dur="indefinite" restart="never" nodeType="tmRoot"/>
-      </p:par>
-    </p:tnLst>
-  </p:timing>
-</p:sld>
-</file>
-
 <file path=ppt/slides/slide2.xml><?xml version="1.0" encoding="utf-8"?>
 <p:sld xmlns:a="http://schemas.openxmlformats.org/drawingml/2006/main" xmlns:r="http://schemas.openxmlformats.org/officeDocument/2006/relationships" xmlns:p="http://schemas.openxmlformats.org/presentationml/2006/main">
   <p:cSld>
@@ -4153,22 +4064,47 @@
           <a:p>
             <a:r>
               <a:rPr lang="de-DE" dirty="0" smtClean="0"/>
-              <a:t>Datenbanken und Dateisysteme</a:t>
+              <a:t>1972 Rudolf Bayer</a:t>
             </a:r>
           </a:p>
           <a:p>
             <a:r>
               <a:rPr lang="de-DE" dirty="0" smtClean="0"/>
-              <a:t>Balancierter Baum</a:t>
-            </a:r>
-          </a:p>
-          <a:p>
+              <a:t>Einfügen</a:t>
+            </a:r>
             <a:r>
               <a:rPr lang="de-DE" dirty="0" smtClean="0"/>
-              <a:t>Einfügen, Löschen und Suchen in amortisiert logarithmischer Zeit</a:t>
-            </a:r>
-          </a:p>
-          <a:p>
+              <a:t>, Löschen und Suchen in amortisiert logarithmischer </a:t>
+            </a:r>
+            <a:r>
+              <a:rPr lang="de-DE" dirty="0" smtClean="0"/>
+              <a:t>Zeit</a:t>
+            </a:r>
+          </a:p>
+          <a:p>
+            <a:r>
+              <a:rPr lang="de-DE" dirty="0"/>
+              <a:t>Balancierter </a:t>
+            </a:r>
+            <a:r>
+              <a:rPr lang="de-DE" dirty="0" smtClean="0"/>
+              <a:t>Baum</a:t>
+            </a:r>
+            <a:endParaRPr lang="de-DE" dirty="0" smtClean="0"/>
+          </a:p>
+          <a:p>
+            <a:r>
+              <a:rPr lang="de-DE" dirty="0"/>
+              <a:t>Datenbanken </a:t>
+            </a:r>
+            <a:r>
+              <a:rPr lang="de-DE"/>
+              <a:t>und </a:t>
+            </a:r>
+            <a:r>
+              <a:rPr lang="de-DE" smtClean="0"/>
+              <a:t>Dateisysteme</a:t>
+            </a:r>
             <a:endParaRPr lang="de-DE" dirty="0"/>
           </a:p>
         </p:txBody>
@@ -4333,6 +4269,55 @@
                       </p:childTnLst>
                     </p:cTn>
                   </p:par>
+                  <p:par>
+                    <p:cTn id="15" fill="hold">
+                      <p:stCondLst>
+                        <p:cond delay="indefinite"/>
+                      </p:stCondLst>
+                      <p:childTnLst>
+                        <p:par>
+                          <p:cTn id="16" fill="hold">
+                            <p:stCondLst>
+                              <p:cond delay="0"/>
+                            </p:stCondLst>
+                            <p:childTnLst>
+                              <p:par>
+                                <p:cTn id="17" presetID="1" presetClass="entr" presetSubtype="0" fill="hold" grpId="0" nodeType="clickEffect">
+                                  <p:stCondLst>
+                                    <p:cond delay="0"/>
+                                  </p:stCondLst>
+                                  <p:childTnLst>
+                                    <p:set>
+                                      <p:cBhvr>
+                                        <p:cTn id="18" dur="1" fill="hold">
+                                          <p:stCondLst>
+                                            <p:cond delay="0"/>
+                                          </p:stCondLst>
+                                        </p:cTn>
+                                        <p:tgtEl>
+                                          <p:spTgt spid="3">
+                                            <p:txEl>
+                                              <p:pRg st="3" end="3"/>
+                                            </p:txEl>
+                                          </p:spTgt>
+                                        </p:tgtEl>
+                                        <p:attrNameLst>
+                                          <p:attrName>style.visibility</p:attrName>
+                                        </p:attrNameLst>
+                                      </p:cBhvr>
+                                      <p:to>
+                                        <p:strVal val="visible"/>
+                                      </p:to>
+                                    </p:set>
+                                  </p:childTnLst>
+                                </p:cTn>
+                              </p:par>
+                            </p:childTnLst>
+                          </p:cTn>
+                        </p:par>
+                      </p:childTnLst>
+                    </p:cTn>
+                  </p:par>
                 </p:childTnLst>
               </p:cTn>
               <p:prevCondLst>
@@ -4401,8 +4386,8 @@
           </a:p>
         </p:txBody>
       </p:sp>
-      <mc:AlternateContent xmlns:mc="http://schemas.openxmlformats.org/markup-compatibility/2006">
-        <mc:Choice xmlns:a14="http://schemas.microsoft.com/office/drawing/2010/main" Requires="a14">
+      <mc:AlternateContent xmlns:mc="http://schemas.openxmlformats.org/markup-compatibility/2006" xmlns:a14="http://schemas.microsoft.com/office/drawing/2010/main">
+        <mc:Choice Requires="a14">
           <p:sp>
             <p:nvSpPr>
               <p:cNvPr id="3" name="Inhaltsplatzhalter 2"/>
@@ -4552,7 +4537,7 @@
             </p:txBody>
           </p:sp>
         </mc:Choice>
-        <mc:Fallback>
+        <mc:Fallback xmlns="">
           <p:sp>
             <p:nvSpPr>
               <p:cNvPr id="3" name="Inhaltsplatzhalter 2"/>
@@ -4986,8 +4971,8 @@
           </a:p>
         </p:txBody>
       </p:sp>
-      <mc:AlternateContent xmlns:mc="http://schemas.openxmlformats.org/markup-compatibility/2006">
-        <mc:Choice xmlns:a14="http://schemas.microsoft.com/office/drawing/2010/main" Requires="a14">
+      <mc:AlternateContent xmlns:mc="http://schemas.openxmlformats.org/markup-compatibility/2006" xmlns:a14="http://schemas.microsoft.com/office/drawing/2010/main">
+        <mc:Choice Requires="a14">
           <p:sp>
             <p:nvSpPr>
               <p:cNvPr id="3" name="Inhaltsplatzhalter 2"/>
@@ -5038,17 +5023,13 @@
                 </a14:m>
                 <a:r>
                   <a:rPr lang="de-DE" dirty="0" smtClean="0"/>
-                  <a:t> </a:t>
-                </a:r>
-                <a:r>
-                  <a:rPr lang="de-DE" dirty="0" smtClean="0"/>
-                  <a:t>gefüllt</a:t>
+                  <a:t> gefüllt</a:t>
                 </a:r>
               </a:p>
             </p:txBody>
           </p:sp>
         </mc:Choice>
-        <mc:Fallback>
+        <mc:Fallback xmlns="">
           <p:sp>
             <p:nvSpPr>
               <p:cNvPr id="3" name="Inhaltsplatzhalter 2"/>
@@ -5470,300 +5451,6 @@
           <a:p>
             <a:r>
               <a:rPr lang="de-DE" dirty="0" smtClean="0"/>
-              <a:t>Variante: R-Baum</a:t>
-            </a:r>
-            <a:endParaRPr lang="de-DE" dirty="0"/>
-          </a:p>
-        </p:txBody>
-      </p:sp>
-      <p:sp>
-        <p:nvSpPr>
-          <p:cNvPr id="3" name="Inhaltsplatzhalter 2"/>
-          <p:cNvSpPr>
-            <a:spLocks noGrp="1"/>
-          </p:cNvSpPr>
-          <p:nvPr>
-            <p:ph idx="1"/>
-          </p:nvPr>
-        </p:nvSpPr>
-        <p:spPr/>
-        <p:txBody>
-          <a:bodyPr/>
-          <a:lstStyle/>
-          <a:p>
-            <a:r>
-              <a:rPr lang="de-DE" dirty="0" smtClean="0"/>
-              <a:t>Mehrdimensionale Daten</a:t>
-            </a:r>
-          </a:p>
-          <a:p>
-            <a:r>
-              <a:rPr lang="de-DE" dirty="0" smtClean="0"/>
-              <a:t>Indexstruktur</a:t>
-            </a:r>
-            <a:endParaRPr lang="de-DE" dirty="0"/>
-          </a:p>
-        </p:txBody>
-      </p:sp>
-      <p:pic>
-        <p:nvPicPr>
-          <p:cNvPr id="2050" name="Picture 2" descr="File:R-tree.svg"/>
-          <p:cNvPicPr>
-            <a:picLocks noChangeAspect="1" noChangeArrowheads="1"/>
-          </p:cNvPicPr>
-          <p:nvPr/>
-        </p:nvPicPr>
-        <p:blipFill>
-          <a:blip r:embed="rId2">
-            <a:extLst>
-              <a:ext uri="{28A0092B-C50C-407E-A947-70E740481C1C}">
-                <a14:useLocalDpi xmlns:a14="http://schemas.microsoft.com/office/drawing/2010/main" val="0"/>
-              </a:ext>
-            </a:extLst>
-          </a:blip>
-          <a:srcRect/>
-          <a:stretch>
-            <a:fillRect/>
-          </a:stretch>
-        </p:blipFill>
-        <p:spPr bwMode="auto">
-          <a:xfrm>
-            <a:off x="3923928" y="2420888"/>
-            <a:ext cx="4896544" cy="4197037"/>
-          </a:xfrm>
-          <a:prstGeom prst="rect">
-            <a:avLst/>
-          </a:prstGeom>
-          <a:noFill/>
-          <a:extLst>
-            <a:ext uri="{909E8E84-426E-40DD-AFC4-6F175D3DCCD1}">
-              <a14:hiddenFill xmlns:a14="http://schemas.microsoft.com/office/drawing/2010/main">
-                <a:solidFill>
-                  <a:srgbClr val="FFFFFF"/>
-                </a:solidFill>
-              </a14:hiddenFill>
-            </a:ext>
-          </a:extLst>
-        </p:spPr>
-      </p:pic>
-    </p:spTree>
-  </p:cSld>
-  <p:clrMapOvr>
-    <a:masterClrMapping/>
-  </p:clrMapOvr>
-  <p:timing>
-    <p:tnLst>
-      <p:par>
-        <p:cTn id="1" dur="indefinite" restart="never" nodeType="tmRoot">
-          <p:childTnLst>
-            <p:seq concurrent="1" nextAc="seek">
-              <p:cTn id="2" dur="indefinite" nodeType="mainSeq">
-                <p:childTnLst>
-                  <p:par>
-                    <p:cTn id="3" fill="hold">
-                      <p:stCondLst>
-                        <p:cond delay="indefinite"/>
-                      </p:stCondLst>
-                      <p:childTnLst>
-                        <p:par>
-                          <p:cTn id="4" fill="hold">
-                            <p:stCondLst>
-                              <p:cond delay="0"/>
-                            </p:stCondLst>
-                            <p:childTnLst>
-                              <p:par>
-                                <p:cTn id="5" presetID="1" presetClass="entr" presetSubtype="0" fill="hold" grpId="0" nodeType="clickEffect">
-                                  <p:stCondLst>
-                                    <p:cond delay="0"/>
-                                  </p:stCondLst>
-                                  <p:childTnLst>
-                                    <p:set>
-                                      <p:cBhvr>
-                                        <p:cTn id="6" dur="1" fill="hold">
-                                          <p:stCondLst>
-                                            <p:cond delay="0"/>
-                                          </p:stCondLst>
-                                        </p:cTn>
-                                        <p:tgtEl>
-                                          <p:spTgt spid="3">
-                                            <p:txEl>
-                                              <p:pRg st="0" end="0"/>
-                                            </p:txEl>
-                                          </p:spTgt>
-                                        </p:tgtEl>
-                                        <p:attrNameLst>
-                                          <p:attrName>style.visibility</p:attrName>
-                                        </p:attrNameLst>
-                                      </p:cBhvr>
-                                      <p:to>
-                                        <p:strVal val="visible"/>
-                                      </p:to>
-                                    </p:set>
-                                  </p:childTnLst>
-                                </p:cTn>
-                              </p:par>
-                            </p:childTnLst>
-                          </p:cTn>
-                        </p:par>
-                      </p:childTnLst>
-                    </p:cTn>
-                  </p:par>
-                  <p:par>
-                    <p:cTn id="7" fill="hold">
-                      <p:stCondLst>
-                        <p:cond delay="indefinite"/>
-                      </p:stCondLst>
-                      <p:childTnLst>
-                        <p:par>
-                          <p:cTn id="8" fill="hold">
-                            <p:stCondLst>
-                              <p:cond delay="0"/>
-                            </p:stCondLst>
-                            <p:childTnLst>
-                              <p:par>
-                                <p:cTn id="9" presetID="1" presetClass="entr" presetSubtype="0" fill="hold" grpId="0" nodeType="clickEffect">
-                                  <p:stCondLst>
-                                    <p:cond delay="0"/>
-                                  </p:stCondLst>
-                                  <p:childTnLst>
-                                    <p:set>
-                                      <p:cBhvr>
-                                        <p:cTn id="10" dur="1" fill="hold">
-                                          <p:stCondLst>
-                                            <p:cond delay="0"/>
-                                          </p:stCondLst>
-                                        </p:cTn>
-                                        <p:tgtEl>
-                                          <p:spTgt spid="3">
-                                            <p:txEl>
-                                              <p:pRg st="1" end="1"/>
-                                            </p:txEl>
-                                          </p:spTgt>
-                                        </p:tgtEl>
-                                        <p:attrNameLst>
-                                          <p:attrName>style.visibility</p:attrName>
-                                        </p:attrNameLst>
-                                      </p:cBhvr>
-                                      <p:to>
-                                        <p:strVal val="visible"/>
-                                      </p:to>
-                                    </p:set>
-                                  </p:childTnLst>
-                                </p:cTn>
-                              </p:par>
-                            </p:childTnLst>
-                          </p:cTn>
-                        </p:par>
-                      </p:childTnLst>
-                    </p:cTn>
-                  </p:par>
-                  <p:par>
-                    <p:cTn id="11" fill="hold">
-                      <p:stCondLst>
-                        <p:cond delay="indefinite"/>
-                      </p:stCondLst>
-                      <p:childTnLst>
-                        <p:par>
-                          <p:cTn id="12" fill="hold">
-                            <p:stCondLst>
-                              <p:cond delay="0"/>
-                            </p:stCondLst>
-                            <p:childTnLst>
-                              <p:par>
-                                <p:cTn id="13" presetID="1" presetClass="entr" presetSubtype="0" fill="hold" nodeType="clickEffect">
-                                  <p:stCondLst>
-                                    <p:cond delay="0"/>
-                                  </p:stCondLst>
-                                  <p:childTnLst>
-                                    <p:set>
-                                      <p:cBhvr>
-                                        <p:cTn id="14" dur="1" fill="hold">
-                                          <p:stCondLst>
-                                            <p:cond delay="0"/>
-                                          </p:stCondLst>
-                                        </p:cTn>
-                                        <p:tgtEl>
-                                          <p:spTgt spid="2050"/>
-                                        </p:tgtEl>
-                                        <p:attrNameLst>
-                                          <p:attrName>style.visibility</p:attrName>
-                                        </p:attrNameLst>
-                                      </p:cBhvr>
-                                      <p:to>
-                                        <p:strVal val="visible"/>
-                                      </p:to>
-                                    </p:set>
-                                  </p:childTnLst>
-                                </p:cTn>
-                              </p:par>
-                            </p:childTnLst>
-                          </p:cTn>
-                        </p:par>
-                      </p:childTnLst>
-                    </p:cTn>
-                  </p:par>
-                </p:childTnLst>
-              </p:cTn>
-              <p:prevCondLst>
-                <p:cond evt="onPrev" delay="0">
-                  <p:tgtEl>
-                    <p:sldTgt/>
-                  </p:tgtEl>
-                </p:cond>
-              </p:prevCondLst>
-              <p:nextCondLst>
-                <p:cond evt="onNext" delay="0">
-                  <p:tgtEl>
-                    <p:sldTgt/>
-                  </p:tgtEl>
-                </p:cond>
-              </p:nextCondLst>
-            </p:seq>
-          </p:childTnLst>
-        </p:cTn>
-      </p:par>
-    </p:tnLst>
-    <p:bldLst>
-      <p:bldP spid="3" grpId="0" uiExpand="1" build="p"/>
-    </p:bldLst>
-  </p:timing>
-</p:sld>
-</file>
-
-<file path=ppt/slides/slide9.xml><?xml version="1.0" encoding="utf-8"?>
-<p:sld xmlns:a="http://schemas.openxmlformats.org/drawingml/2006/main" xmlns:r="http://schemas.openxmlformats.org/officeDocument/2006/relationships" xmlns:p="http://schemas.openxmlformats.org/presentationml/2006/main">
-  <p:cSld>
-    <p:spTree>
-      <p:nvGrpSpPr>
-        <p:cNvPr id="1" name=""/>
-        <p:cNvGrpSpPr/>
-        <p:nvPr/>
-      </p:nvGrpSpPr>
-      <p:grpSpPr>
-        <a:xfrm>
-          <a:off x="0" y="0"/>
-          <a:ext cx="0" cy="0"/>
-          <a:chOff x="0" y="0"/>
-          <a:chExt cx="0" cy="0"/>
-        </a:xfrm>
-      </p:grpSpPr>
-      <p:sp>
-        <p:nvSpPr>
-          <p:cNvPr id="2" name="Titel 1"/>
-          <p:cNvSpPr>
-            <a:spLocks noGrp="1"/>
-          </p:cNvSpPr>
-          <p:nvPr>
-            <p:ph type="title"/>
-          </p:nvPr>
-        </p:nvSpPr>
-        <p:spPr/>
-        <p:txBody>
-          <a:bodyPr/>
-          <a:lstStyle/>
-          <a:p>
-            <a:r>
-              <a:rPr lang="de-DE" dirty="0" smtClean="0"/>
               <a:t>B-Baum: I/O Modell</a:t>
             </a:r>
             <a:endParaRPr lang="de-DE" dirty="0"/>
@@ -5918,6 +5605,12 @@
                 <a:r>
                   <a:rPr lang="de-DE" dirty="0" smtClean="0"/>
                   <a:t>)</a:t>
+                </a:r>
+              </a:p>
+              <a:p>
+                <a:r>
+                  <a:rPr lang="de-DE" dirty="0"/>
+                  <a:t>Search Komplexität</a:t>
                 </a:r>
                 <a:endParaRPr lang="de-DE" dirty="0" smtClean="0"/>
               </a:p>
@@ -6147,6 +5840,55 @@
                                           <p:spTgt spid="3">
                                             <p:txEl>
                                               <p:pRg st="3" end="3"/>
+                                            </p:txEl>
+                                          </p:spTgt>
+                                        </p:tgtEl>
+                                        <p:attrNameLst>
+                                          <p:attrName>style.visibility</p:attrName>
+                                        </p:attrNameLst>
+                                      </p:cBhvr>
+                                      <p:to>
+                                        <p:strVal val="visible"/>
+                                      </p:to>
+                                    </p:set>
+                                  </p:childTnLst>
+                                </p:cTn>
+                              </p:par>
+                            </p:childTnLst>
+                          </p:cTn>
+                        </p:par>
+                      </p:childTnLst>
+                    </p:cTn>
+                  </p:par>
+                  <p:par>
+                    <p:cTn id="19" fill="hold">
+                      <p:stCondLst>
+                        <p:cond delay="indefinite"/>
+                      </p:stCondLst>
+                      <p:childTnLst>
+                        <p:par>
+                          <p:cTn id="20" fill="hold">
+                            <p:stCondLst>
+                              <p:cond delay="0"/>
+                            </p:stCondLst>
+                            <p:childTnLst>
+                              <p:par>
+                                <p:cTn id="21" presetID="1" presetClass="entr" presetSubtype="0" fill="hold" grpId="0" nodeType="clickEffect">
+                                  <p:stCondLst>
+                                    <p:cond delay="0"/>
+                                  </p:stCondLst>
+                                  <p:childTnLst>
+                                    <p:set>
+                                      <p:cBhvr>
+                                        <p:cTn id="22" dur="1" fill="hold">
+                                          <p:stCondLst>
+                                            <p:cond delay="0"/>
+                                          </p:stCondLst>
+                                        </p:cTn>
+                                        <p:tgtEl>
+                                          <p:spTgt spid="3">
+                                            <p:txEl>
+                                              <p:pRg st="4" end="4"/>
                                             </p:txEl>
                                           </p:spTgt>
                                         </p:tgtEl>
